--- a/DS6306_CaseStudy02.pptx
+++ b/DS6306_CaseStudy02.pptx
@@ -6,10 +6,13 @@
   </p:sldMasterIdLst>
   <p:sldIdLst>
     <p:sldId id="257" r:id="rId2"/>
-    <p:sldId id="260" r:id="rId3"/>
-    <p:sldId id="261" r:id="rId4"/>
-    <p:sldId id="269" r:id="rId5"/>
-    <p:sldId id="270" r:id="rId6"/>
+    <p:sldId id="271" r:id="rId3"/>
+    <p:sldId id="272" r:id="rId4"/>
+    <p:sldId id="276" r:id="rId5"/>
+    <p:sldId id="274" r:id="rId6"/>
+    <p:sldId id="275" r:id="rId7"/>
+    <p:sldId id="269" r:id="rId8"/>
+    <p:sldId id="270" r:id="rId9"/>
   </p:sldIdLst>
   <p:sldSz cx="12192000" cy="6858000"/>
   <p:notesSz cx="6858000" cy="9144000"/>
@@ -360,7 +363,7 @@
           <a:p>
             <a:fld id="{9184DA70-C731-4C70-880D-CCD4705E623C}" type="datetime1">
               <a:rPr lang="en-US" smtClean="0"/>
-              <a:t>7/24/2021</a:t>
+              <a:t>8/7/2021</a:t>
             </a:fld>
             <a:endParaRPr lang="en-US" dirty="0"/>
           </a:p>
@@ -548,7 +551,7 @@
           <a:p>
             <a:fld id="{B612A279-0833-481D-8C56-F67FD0AC6C50}" type="datetime1">
               <a:rPr lang="en-US" smtClean="0"/>
-              <a:t>7/24/2021</a:t>
+              <a:t>8/7/2021</a:t>
             </a:fld>
             <a:endParaRPr lang="en-US" dirty="0"/>
           </a:p>
@@ -790,7 +793,7 @@
           <a:p>
             <a:fld id="{6587DA83-5663-4C9C-B9AA-0B40A3DAFF81}" type="datetime1">
               <a:rPr lang="en-US" smtClean="0"/>
-              <a:t>7/24/2021</a:t>
+              <a:t>8/7/2021</a:t>
             </a:fld>
             <a:endParaRPr lang="en-US" dirty="0"/>
           </a:p>
@@ -978,7 +981,7 @@
           <a:p>
             <a:fld id="{4BE1D723-8F53-4F53-90B0-1982A396982E}" type="datetime1">
               <a:rPr lang="en-US" smtClean="0"/>
-              <a:t>7/24/2021</a:t>
+              <a:t>8/7/2021</a:t>
             </a:fld>
             <a:endParaRPr lang="en-US" dirty="0"/>
           </a:p>
@@ -1351,7 +1354,7 @@
           <a:p>
             <a:fld id="{97669AF7-7BEB-44E4-9852-375E34362B5B}" type="datetime1">
               <a:rPr lang="en-US" smtClean="0"/>
-              <a:t>7/24/2021</a:t>
+              <a:t>8/7/2021</a:t>
             </a:fld>
             <a:endParaRPr lang="en-US" dirty="0"/>
           </a:p>
@@ -1606,7 +1609,7 @@
           <a:p>
             <a:fld id="{BAAAC38D-0552-4C82-B593-E6124DFADBE2}" type="datetime1">
               <a:rPr lang="en-US" smtClean="0"/>
-              <a:t>7/24/2021</a:t>
+              <a:t>8/7/2021</a:t>
             </a:fld>
             <a:endParaRPr lang="en-US" dirty="0"/>
           </a:p>
@@ -2003,7 +2006,7 @@
           <a:p>
             <a:fld id="{D9DF0F1C-5577-4ACB-BB62-DF8F3C494C7E}" type="datetime1">
               <a:rPr lang="en-US" smtClean="0"/>
-              <a:t>7/24/2021</a:t>
+              <a:t>8/7/2021</a:t>
             </a:fld>
             <a:endParaRPr lang="en-US" dirty="0"/>
           </a:p>
@@ -2139,7 +2142,7 @@
           <a:p>
             <a:fld id="{1775B394-D9F9-4F0C-B15D-605F45CB9E9F}" type="datetime1">
               <a:rPr lang="en-US" smtClean="0"/>
-              <a:t>7/24/2021</a:t>
+              <a:t>8/7/2021</a:t>
             </a:fld>
             <a:endParaRPr lang="en-US" dirty="0"/>
           </a:p>
@@ -2296,7 +2299,7 @@
           <a:p>
             <a:fld id="{39667345-2558-425A-8533-9BFDBCE15005}" type="datetime1">
               <a:rPr lang="en-US" smtClean="0"/>
-              <a:t>7/24/2021</a:t>
+              <a:t>8/7/2021</a:t>
             </a:fld>
             <a:endParaRPr lang="en-US" dirty="0"/>
           </a:p>
@@ -2625,7 +2628,7 @@
           <a:p>
             <a:fld id="{92BEA474-078D-4E9B-9B14-09A87B19DC46}" type="datetime1">
               <a:rPr lang="en-US" smtClean="0"/>
-              <a:t>7/24/2021</a:t>
+              <a:t>8/7/2021</a:t>
             </a:fld>
             <a:endParaRPr lang="en-US" dirty="0"/>
           </a:p>
@@ -2975,7 +2978,7 @@
           <a:p>
             <a:fld id="{4907D986-8816-4272-A432-0437A28A9828}" type="datetime1">
               <a:rPr lang="en-US" smtClean="0"/>
-              <a:t>7/24/2021</a:t>
+              <a:t>8/7/2021</a:t>
             </a:fld>
             <a:endParaRPr lang="en-US" dirty="0"/>
           </a:p>
@@ -3236,7 +3239,7 @@
           <a:p>
             <a:fld id="{62D6E202-B606-4609-B914-27C9371A1F6D}" type="datetime1">
               <a:rPr lang="en-US" smtClean="0"/>
-              <a:t>7/24/2021</a:t>
+              <a:t>8/7/2021</a:t>
             </a:fld>
             <a:endParaRPr lang="en-US" dirty="0"/>
           </a:p>
@@ -3960,6 +3963,53 @@
           </a:fontRef>
         </p:style>
       </p:cxnSp>
+      <p:pic>
+        <p:nvPicPr>
+          <p:cNvPr id="1026" name="Picture 2" descr="See the source image">
+            <a:extLst>
+              <a:ext uri="{FF2B5EF4-FFF2-40B4-BE49-F238E27FC236}">
+                <a16:creationId xmlns:a16="http://schemas.microsoft.com/office/drawing/2014/main" id="{DA1D41B2-6609-437D-92AB-B016EEFA105C}"/>
+              </a:ext>
+            </a:extLst>
+          </p:cNvPr>
+          <p:cNvPicPr>
+            <a:picLocks noChangeAspect="1" noChangeArrowheads="1"/>
+          </p:cNvPicPr>
+          <p:nvPr/>
+        </p:nvPicPr>
+        <p:blipFill>
+          <a:blip r:embed="rId2">
+            <a:extLst>
+              <a:ext uri="{28A0092B-C50C-407E-A947-70E740481C1C}">
+                <a14:useLocalDpi xmlns:a14="http://schemas.microsoft.com/office/drawing/2010/main" val="0"/>
+              </a:ext>
+            </a:extLst>
+          </a:blip>
+          <a:srcRect/>
+          <a:stretch>
+            <a:fillRect/>
+          </a:stretch>
+        </p:blipFill>
+        <p:spPr bwMode="auto">
+          <a:xfrm>
+            <a:off x="0" y="0"/>
+            <a:ext cx="5289753" cy="6858000"/>
+          </a:xfrm>
+          <a:prstGeom prst="rect">
+            <a:avLst/>
+          </a:prstGeom>
+          <a:noFill/>
+          <a:extLst>
+            <a:ext uri="{909E8E84-426E-40DD-AFC4-6F175D3DCCD1}">
+              <a14:hiddenFill xmlns:a14="http://schemas.microsoft.com/office/drawing/2010/main">
+                <a:solidFill>
+                  <a:srgbClr val="FFFFFF"/>
+                </a:solidFill>
+              </a14:hiddenFill>
+            </a:ext>
+          </a:extLst>
+        </p:spPr>
+      </p:pic>
     </p:spTree>
     <p:extLst>
       <p:ext uri="{BB962C8B-B14F-4D97-AF65-F5344CB8AC3E}">
@@ -3995,7 +4045,7 @@
           <p:cNvPr id="2" name="Title 1">
             <a:extLst>
               <a:ext uri="{FF2B5EF4-FFF2-40B4-BE49-F238E27FC236}">
-                <a16:creationId xmlns:a16="http://schemas.microsoft.com/office/drawing/2014/main" id="{91BD9EA5-2B75-4610-B409-E43B5D9F8ADD}"/>
+                <a16:creationId xmlns:a16="http://schemas.microsoft.com/office/drawing/2014/main" id="{1EE742BE-F907-4974-8AFE-5CE54488ACDF}"/>
               </a:ext>
             </a:extLst>
           </p:cNvPr>
@@ -4013,17 +4063,17 @@
           <a:p>
             <a:r>
               <a:rPr lang="en-US" dirty="0"/>
-              <a:t>Data Introduction</a:t>
-            </a:r>
-          </a:p>
-        </p:txBody>
-      </p:sp>
-      <p:sp>
-        <p:nvSpPr>
-          <p:cNvPr id="5" name="Content Placeholder 4">
+              <a:t>Objectives</a:t>
+            </a:r>
+          </a:p>
+        </p:txBody>
+      </p:sp>
+      <p:sp>
+        <p:nvSpPr>
+          <p:cNvPr id="3" name="Content Placeholder 2">
             <a:extLst>
               <a:ext uri="{FF2B5EF4-FFF2-40B4-BE49-F238E27FC236}">
-                <a16:creationId xmlns:a16="http://schemas.microsoft.com/office/drawing/2014/main" id="{8E1A7860-C905-40B5-9CA6-E4E839AB179A}"/>
+                <a16:creationId xmlns:a16="http://schemas.microsoft.com/office/drawing/2014/main" id="{3B77A789-799A-4444-BC8A-5C69B44F4E41}"/>
               </a:ext>
             </a:extLst>
           </p:cNvPr>
@@ -4031,7 +4081,7 @@
             <a:spLocks noGrp="1"/>
           </p:cNvSpPr>
           <p:nvPr>
-            <p:ph sz="half" idx="2"/>
+            <p:ph idx="1"/>
           </p:nvPr>
         </p:nvSpPr>
         <p:spPr/>
@@ -4039,39 +4089,29 @@
           <a:bodyPr/>
           <a:lstStyle/>
           <a:p>
-            <a:endParaRPr lang="en-US"/>
-          </a:p>
-        </p:txBody>
-      </p:sp>
-      <p:sp>
-        <p:nvSpPr>
-          <p:cNvPr id="8" name="Content Placeholder 7">
-            <a:extLst>
-              <a:ext uri="{FF2B5EF4-FFF2-40B4-BE49-F238E27FC236}">
-                <a16:creationId xmlns:a16="http://schemas.microsoft.com/office/drawing/2014/main" id="{57E10628-6193-4507-9021-0CA1271D827A}"/>
-              </a:ext>
-            </a:extLst>
-          </p:cNvPr>
-          <p:cNvSpPr>
-            <a:spLocks noGrp="1"/>
-          </p:cNvSpPr>
-          <p:nvPr>
-            <p:ph sz="half" idx="1"/>
-          </p:nvPr>
-        </p:nvSpPr>
-        <p:spPr/>
-        <p:txBody>
-          <a:bodyPr/>
-          <a:lstStyle/>
-          <a:p>
-            <a:endParaRPr lang="en-US"/>
+            <a:r>
+              <a:rPr lang="en-US" dirty="0"/>
+              <a:t>Identify top three factors that lead to employee attrition</a:t>
+            </a:r>
+          </a:p>
+          <a:p>
+            <a:r>
+              <a:rPr lang="en-US" dirty="0"/>
+              <a:t>Build model to predict employee attrition</a:t>
+            </a:r>
+          </a:p>
+          <a:p>
+            <a:r>
+              <a:rPr lang="en-US" dirty="0"/>
+              <a:t>Build model to predict employee salary</a:t>
+            </a:r>
           </a:p>
         </p:txBody>
       </p:sp>
     </p:spTree>
     <p:extLst>
       <p:ext uri="{BB962C8B-B14F-4D97-AF65-F5344CB8AC3E}">
-        <p14:creationId xmlns:p14="http://schemas.microsoft.com/office/powerpoint/2010/main" val="341725109"/>
+        <p14:creationId xmlns:p14="http://schemas.microsoft.com/office/powerpoint/2010/main" val="972830863"/>
       </p:ext>
     </p:extLst>
   </p:cSld>
@@ -4103,7 +4143,7 @@
           <p:cNvPr id="2" name="Title 1">
             <a:extLst>
               <a:ext uri="{FF2B5EF4-FFF2-40B4-BE49-F238E27FC236}">
-                <a16:creationId xmlns:a16="http://schemas.microsoft.com/office/drawing/2014/main" id="{DFA73DFB-E331-4730-BFC0-567A4FBA1D99}"/>
+                <a16:creationId xmlns:a16="http://schemas.microsoft.com/office/drawing/2014/main" id="{BA0FCB6D-7614-4428-A27A-D2435E6F8CC1}"/>
               </a:ext>
             </a:extLst>
           </p:cNvPr>
@@ -4121,17 +4161,17 @@
           <a:p>
             <a:r>
               <a:rPr lang="en-US" dirty="0"/>
-              <a:t>Missing Data</a:t>
-            </a:r>
-          </a:p>
-        </p:txBody>
-      </p:sp>
-      <p:sp>
-        <p:nvSpPr>
-          <p:cNvPr id="4" name="Content Placeholder 3">
+              <a:t>Data Introduction </a:t>
+            </a:r>
+          </a:p>
+        </p:txBody>
+      </p:sp>
+      <p:sp>
+        <p:nvSpPr>
+          <p:cNvPr id="3" name="Content Placeholder 2">
             <a:extLst>
               <a:ext uri="{FF2B5EF4-FFF2-40B4-BE49-F238E27FC236}">
-                <a16:creationId xmlns:a16="http://schemas.microsoft.com/office/drawing/2014/main" id="{889F6A91-6871-4974-B2CE-7B38A5883824}"/>
+                <a16:creationId xmlns:a16="http://schemas.microsoft.com/office/drawing/2014/main" id="{2341DF6A-4F31-47A2-AFE5-ADE71C2EAC73}"/>
               </a:ext>
             </a:extLst>
           </p:cNvPr>
@@ -4139,47 +4179,1473 @@
             <a:spLocks noGrp="1"/>
           </p:cNvSpPr>
           <p:nvPr>
-            <p:ph sz="half" idx="1"/>
-          </p:nvPr>
-        </p:nvSpPr>
-        <p:spPr/>
+            <p:ph idx="1"/>
+          </p:nvPr>
+        </p:nvSpPr>
+        <p:spPr>
+          <a:xfrm>
+            <a:off x="1097280" y="2108202"/>
+            <a:ext cx="2969837" cy="2301114"/>
+          </a:xfrm>
+        </p:spPr>
         <p:txBody>
           <a:bodyPr/>
           <a:lstStyle/>
           <a:p>
-            <a:endParaRPr lang="en-US"/>
-          </a:p>
-        </p:txBody>
-      </p:sp>
-      <p:sp>
-        <p:nvSpPr>
-          <p:cNvPr id="8" name="Content Placeholder 7">
+            <a:r>
+              <a:rPr lang="en-US" dirty="0"/>
+              <a:t>870 Observations</a:t>
+            </a:r>
+          </a:p>
+          <a:p>
+            <a:r>
+              <a:rPr lang="en-US" dirty="0"/>
+              <a:t>No Missing Data</a:t>
+            </a:r>
+          </a:p>
+          <a:p>
+            <a:r>
+              <a:rPr lang="en-US" dirty="0"/>
+              <a:t>Some Variables Removed</a:t>
+            </a:r>
+          </a:p>
+          <a:p>
+            <a:r>
+              <a:rPr lang="en-US" dirty="0"/>
+              <a:t>Imbalanced Attrition Data</a:t>
+            </a:r>
+          </a:p>
+        </p:txBody>
+      </p:sp>
+      <p:pic>
+        <p:nvPicPr>
+          <p:cNvPr id="6" name="Picture 5">
             <a:extLst>
               <a:ext uri="{FF2B5EF4-FFF2-40B4-BE49-F238E27FC236}">
-                <a16:creationId xmlns:a16="http://schemas.microsoft.com/office/drawing/2014/main" id="{83C2DD07-308D-42BC-8FFD-3BD4DFB22551}"/>
+                <a16:creationId xmlns:a16="http://schemas.microsoft.com/office/drawing/2014/main" id="{A751D23D-D54F-4086-8583-23C0A8E2D123}"/>
               </a:ext>
             </a:extLst>
           </p:cNvPr>
-          <p:cNvSpPr>
-            <a:spLocks noGrp="1"/>
-          </p:cNvSpPr>
-          <p:nvPr>
-            <p:ph sz="half" idx="2"/>
-          </p:nvPr>
-        </p:nvSpPr>
-        <p:spPr/>
-        <p:txBody>
-          <a:bodyPr/>
-          <a:lstStyle/>
-          <a:p>
-            <a:endParaRPr lang="en-US"/>
-          </a:p>
-        </p:txBody>
-      </p:sp>
+          <p:cNvPicPr>
+            <a:picLocks noChangeAspect="1"/>
+          </p:cNvPicPr>
+          <p:nvPr/>
+        </p:nvPicPr>
+        <p:blipFill>
+          <a:blip r:embed="rId2"/>
+          <a:stretch>
+            <a:fillRect/>
+          </a:stretch>
+        </p:blipFill>
+        <p:spPr>
+          <a:xfrm>
+            <a:off x="7600076" y="2091444"/>
+            <a:ext cx="3494644" cy="2157804"/>
+          </a:xfrm>
+          <a:prstGeom prst="rect">
+            <a:avLst/>
+          </a:prstGeom>
+        </p:spPr>
+      </p:pic>
+      <p:pic>
+        <p:nvPicPr>
+          <p:cNvPr id="7" name="Picture 6">
+            <a:extLst>
+              <a:ext uri="{FF2B5EF4-FFF2-40B4-BE49-F238E27FC236}">
+                <a16:creationId xmlns:a16="http://schemas.microsoft.com/office/drawing/2014/main" id="{A7B325FD-EE1A-42DD-923A-85422BCAEA20}"/>
+              </a:ext>
+            </a:extLst>
+          </p:cNvPr>
+          <p:cNvPicPr>
+            <a:picLocks noChangeAspect="1"/>
+          </p:cNvPicPr>
+          <p:nvPr/>
+        </p:nvPicPr>
+        <p:blipFill>
+          <a:blip r:embed="rId3"/>
+          <a:stretch>
+            <a:fillRect/>
+          </a:stretch>
+        </p:blipFill>
+        <p:spPr>
+          <a:xfrm>
+            <a:off x="3998626" y="2203408"/>
+            <a:ext cx="3257934" cy="2011646"/>
+          </a:xfrm>
+          <a:prstGeom prst="rect">
+            <a:avLst/>
+          </a:prstGeom>
+        </p:spPr>
+      </p:pic>
+      <p:pic>
+        <p:nvPicPr>
+          <p:cNvPr id="9" name="Picture 8">
+            <a:extLst>
+              <a:ext uri="{FF2B5EF4-FFF2-40B4-BE49-F238E27FC236}">
+                <a16:creationId xmlns:a16="http://schemas.microsoft.com/office/drawing/2014/main" id="{B347C81A-77E9-40C7-9AEA-86AACB994848}"/>
+              </a:ext>
+            </a:extLst>
+          </p:cNvPr>
+          <p:cNvPicPr>
+            <a:picLocks noChangeAspect="1"/>
+          </p:cNvPicPr>
+          <p:nvPr/>
+        </p:nvPicPr>
+        <p:blipFill>
+          <a:blip r:embed="rId4"/>
+          <a:stretch>
+            <a:fillRect/>
+          </a:stretch>
+        </p:blipFill>
+        <p:spPr>
+          <a:xfrm>
+            <a:off x="7737556" y="4249248"/>
+            <a:ext cx="3357164" cy="2072916"/>
+          </a:xfrm>
+          <a:prstGeom prst="rect">
+            <a:avLst/>
+          </a:prstGeom>
+        </p:spPr>
+      </p:pic>
+      <p:graphicFrame>
+        <p:nvGraphicFramePr>
+          <p:cNvPr id="16" name="Table 15">
+            <a:extLst>
+              <a:ext uri="{FF2B5EF4-FFF2-40B4-BE49-F238E27FC236}">
+                <a16:creationId xmlns:a16="http://schemas.microsoft.com/office/drawing/2014/main" id="{017148FC-9342-493B-9171-AB349610FDC5}"/>
+              </a:ext>
+            </a:extLst>
+          </p:cNvPr>
+          <p:cNvGraphicFramePr>
+            <a:graphicFrameLocks noGrp="1"/>
+          </p:cNvGraphicFramePr>
+          <p:nvPr>
+            <p:extLst>
+              <p:ext uri="{D42A27DB-BD31-4B8C-83A1-F6EECF244321}">
+                <p14:modId xmlns:p14="http://schemas.microsoft.com/office/powerpoint/2010/main" val="608722154"/>
+              </p:ext>
+            </p:extLst>
+          </p:nvPr>
+        </p:nvGraphicFramePr>
+        <p:xfrm>
+          <a:off x="1436454" y="4423153"/>
+          <a:ext cx="5957284" cy="1628775"/>
+        </p:xfrm>
+        <a:graphic>
+          <a:graphicData uri="http://schemas.openxmlformats.org/drawingml/2006/table">
+            <a:tbl>
+              <a:tblPr/>
+              <a:tblGrid>
+                <a:gridCol w="1459468">
+                  <a:extLst>
+                    <a:ext uri="{9D8B030D-6E8A-4147-A177-3AD203B41FA5}">
+                      <a16:colId xmlns:a16="http://schemas.microsoft.com/office/drawing/2014/main" val="13560562"/>
+                    </a:ext>
+                  </a:extLst>
+                </a:gridCol>
+                <a:gridCol w="1539076">
+                  <a:extLst>
+                    <a:ext uri="{9D8B030D-6E8A-4147-A177-3AD203B41FA5}">
+                      <a16:colId xmlns:a16="http://schemas.microsoft.com/office/drawing/2014/main" val="3316921371"/>
+                    </a:ext>
+                  </a:extLst>
+                </a:gridCol>
+                <a:gridCol w="1499272">
+                  <a:extLst>
+                    <a:ext uri="{9D8B030D-6E8A-4147-A177-3AD203B41FA5}">
+                      <a16:colId xmlns:a16="http://schemas.microsoft.com/office/drawing/2014/main" val="2140155499"/>
+                    </a:ext>
+                  </a:extLst>
+                </a:gridCol>
+                <a:gridCol w="1459468">
+                  <a:extLst>
+                    <a:ext uri="{9D8B030D-6E8A-4147-A177-3AD203B41FA5}">
+                      <a16:colId xmlns:a16="http://schemas.microsoft.com/office/drawing/2014/main" val="2586887307"/>
+                    </a:ext>
+                  </a:extLst>
+                </a:gridCol>
+              </a:tblGrid>
+              <a:tr h="180975">
+                <a:tc>
+                  <a:txBody>
+                    <a:bodyPr/>
+                    <a:lstStyle/>
+                    <a:p>
+                      <a:pPr algn="l" fontAlgn="b"/>
+                      <a:r>
+                        <a:rPr lang="en-US" sz="1100" b="0" i="0" u="none" strike="noStrike">
+                          <a:solidFill>
+                            <a:srgbClr val="000000"/>
+                          </a:solidFill>
+                          <a:effectLst/>
+                          <a:latin typeface="Calibri" panose="020F0502020204030204" pitchFamily="34" charset="0"/>
+                        </a:rPr>
+                        <a:t>ID</a:t>
+                      </a:r>
+                    </a:p>
+                  </a:txBody>
+                  <a:tcPr marL="4763" marR="4763" marT="4763" marB="0" anchor="b">
+                    <a:lnL>
+                      <a:noFill/>
+                    </a:lnL>
+                    <a:lnR>
+                      <a:noFill/>
+                    </a:lnR>
+                    <a:lnT>
+                      <a:noFill/>
+                    </a:lnT>
+                    <a:lnB>
+                      <a:noFill/>
+                    </a:lnB>
+                    <a:solidFill>
+                      <a:srgbClr val="FFB9B9"/>
+                    </a:solidFill>
+                  </a:tcPr>
+                </a:tc>
+                <a:tc>
+                  <a:txBody>
+                    <a:bodyPr/>
+                    <a:lstStyle/>
+                    <a:p>
+                      <a:pPr algn="l" fontAlgn="b"/>
+                      <a:r>
+                        <a:rPr lang="en-US" sz="1100" b="0" i="0" u="none" strike="noStrike">
+                          <a:solidFill>
+                            <a:srgbClr val="000000"/>
+                          </a:solidFill>
+                          <a:effectLst/>
+                          <a:latin typeface="Calibri" panose="020F0502020204030204" pitchFamily="34" charset="0"/>
+                        </a:rPr>
+                        <a:t>Age</a:t>
+                      </a:r>
+                    </a:p>
+                  </a:txBody>
+                  <a:tcPr marL="4763" marR="4763" marT="4763" marB="0" anchor="b">
+                    <a:lnL>
+                      <a:noFill/>
+                    </a:lnL>
+                    <a:lnR>
+                      <a:noFill/>
+                    </a:lnR>
+                    <a:lnT>
+                      <a:noFill/>
+                    </a:lnT>
+                    <a:lnB>
+                      <a:noFill/>
+                    </a:lnB>
+                  </a:tcPr>
+                </a:tc>
+                <a:tc>
+                  <a:txBody>
+                    <a:bodyPr/>
+                    <a:lstStyle/>
+                    <a:p>
+                      <a:pPr algn="l" fontAlgn="b"/>
+                      <a:r>
+                        <a:rPr lang="en-US" sz="1100" b="0" i="0" u="none" strike="noStrike">
+                          <a:solidFill>
+                            <a:srgbClr val="000000"/>
+                          </a:solidFill>
+                          <a:effectLst/>
+                          <a:latin typeface="Calibri" panose="020F0502020204030204" pitchFamily="34" charset="0"/>
+                        </a:rPr>
+                        <a:t>Attrition</a:t>
+                      </a:r>
+                    </a:p>
+                  </a:txBody>
+                  <a:tcPr marL="4763" marR="4763" marT="4763" marB="0" anchor="b">
+                    <a:lnL>
+                      <a:noFill/>
+                    </a:lnL>
+                    <a:lnR>
+                      <a:noFill/>
+                    </a:lnR>
+                    <a:lnT>
+                      <a:noFill/>
+                    </a:lnT>
+                    <a:lnB>
+                      <a:noFill/>
+                    </a:lnB>
+                  </a:tcPr>
+                </a:tc>
+                <a:tc>
+                  <a:txBody>
+                    <a:bodyPr/>
+                    <a:lstStyle/>
+                    <a:p>
+                      <a:pPr algn="l" fontAlgn="b"/>
+                      <a:r>
+                        <a:rPr lang="en-US" sz="1100" b="0" i="0" u="none" strike="noStrike">
+                          <a:solidFill>
+                            <a:srgbClr val="000000"/>
+                          </a:solidFill>
+                          <a:effectLst/>
+                          <a:latin typeface="Calibri" panose="020F0502020204030204" pitchFamily="34" charset="0"/>
+                        </a:rPr>
+                        <a:t>NumCompaniesWorked</a:t>
+                      </a:r>
+                    </a:p>
+                  </a:txBody>
+                  <a:tcPr marL="4763" marR="4763" marT="4763" marB="0" anchor="b">
+                    <a:lnL>
+                      <a:noFill/>
+                    </a:lnL>
+                    <a:lnR>
+                      <a:noFill/>
+                    </a:lnR>
+                    <a:lnT>
+                      <a:noFill/>
+                    </a:lnT>
+                    <a:lnB>
+                      <a:noFill/>
+                    </a:lnB>
+                  </a:tcPr>
+                </a:tc>
+                <a:extLst>
+                  <a:ext uri="{0D108BD9-81ED-4DB2-BD59-A6C34878D82A}">
+                    <a16:rowId xmlns:a16="http://schemas.microsoft.com/office/drawing/2014/main" val="257226907"/>
+                  </a:ext>
+                </a:extLst>
+              </a:tr>
+              <a:tr h="180975">
+                <a:tc>
+                  <a:txBody>
+                    <a:bodyPr/>
+                    <a:lstStyle/>
+                    <a:p>
+                      <a:pPr algn="l" fontAlgn="b"/>
+                      <a:r>
+                        <a:rPr lang="en-US" sz="1100" b="0" i="0" u="none" strike="noStrike">
+                          <a:solidFill>
+                            <a:srgbClr val="000000"/>
+                          </a:solidFill>
+                          <a:effectLst/>
+                          <a:latin typeface="Calibri" panose="020F0502020204030204" pitchFamily="34" charset="0"/>
+                        </a:rPr>
+                        <a:t>BusinessTravel</a:t>
+                      </a:r>
+                    </a:p>
+                  </a:txBody>
+                  <a:tcPr marL="4763" marR="4763" marT="4763" marB="0" anchor="b">
+                    <a:lnL>
+                      <a:noFill/>
+                    </a:lnL>
+                    <a:lnR>
+                      <a:noFill/>
+                    </a:lnR>
+                    <a:lnT>
+                      <a:noFill/>
+                    </a:lnT>
+                    <a:lnB>
+                      <a:noFill/>
+                    </a:lnB>
+                  </a:tcPr>
+                </a:tc>
+                <a:tc>
+                  <a:txBody>
+                    <a:bodyPr/>
+                    <a:lstStyle/>
+                    <a:p>
+                      <a:pPr algn="l" fontAlgn="b"/>
+                      <a:r>
+                        <a:rPr lang="en-US" sz="1100" b="0" i="0" u="none" strike="noStrike">
+                          <a:solidFill>
+                            <a:srgbClr val="000000"/>
+                          </a:solidFill>
+                          <a:effectLst/>
+                          <a:latin typeface="Calibri" panose="020F0502020204030204" pitchFamily="34" charset="0"/>
+                        </a:rPr>
+                        <a:t>DailyRate</a:t>
+                      </a:r>
+                    </a:p>
+                  </a:txBody>
+                  <a:tcPr marL="4763" marR="4763" marT="4763" marB="0" anchor="b">
+                    <a:lnL>
+                      <a:noFill/>
+                    </a:lnL>
+                    <a:lnR>
+                      <a:noFill/>
+                    </a:lnR>
+                    <a:lnT>
+                      <a:noFill/>
+                    </a:lnT>
+                    <a:lnB>
+                      <a:noFill/>
+                    </a:lnB>
+                  </a:tcPr>
+                </a:tc>
+                <a:tc>
+                  <a:txBody>
+                    <a:bodyPr/>
+                    <a:lstStyle/>
+                    <a:p>
+                      <a:pPr algn="l" fontAlgn="b"/>
+                      <a:r>
+                        <a:rPr lang="en-US" sz="1100" b="0" i="0" u="none" strike="noStrike">
+                          <a:solidFill>
+                            <a:srgbClr val="000000"/>
+                          </a:solidFill>
+                          <a:effectLst/>
+                          <a:latin typeface="Calibri" panose="020F0502020204030204" pitchFamily="34" charset="0"/>
+                        </a:rPr>
+                        <a:t>Department</a:t>
+                      </a:r>
+                    </a:p>
+                  </a:txBody>
+                  <a:tcPr marL="4763" marR="4763" marT="4763" marB="0" anchor="b">
+                    <a:lnL>
+                      <a:noFill/>
+                    </a:lnL>
+                    <a:lnR>
+                      <a:noFill/>
+                    </a:lnR>
+                    <a:lnT>
+                      <a:noFill/>
+                    </a:lnT>
+                    <a:lnB>
+                      <a:noFill/>
+                    </a:lnB>
+                  </a:tcPr>
+                </a:tc>
+                <a:tc>
+                  <a:txBody>
+                    <a:bodyPr/>
+                    <a:lstStyle/>
+                    <a:p>
+                      <a:pPr algn="l" fontAlgn="b"/>
+                      <a:r>
+                        <a:rPr lang="en-US" sz="1100" b="0" i="0" u="none" strike="noStrike">
+                          <a:solidFill>
+                            <a:srgbClr val="000000"/>
+                          </a:solidFill>
+                          <a:effectLst/>
+                          <a:latin typeface="Calibri" panose="020F0502020204030204" pitchFamily="34" charset="0"/>
+                        </a:rPr>
+                        <a:t>PercentSalaryHike</a:t>
+                      </a:r>
+                    </a:p>
+                  </a:txBody>
+                  <a:tcPr marL="4763" marR="4763" marT="4763" marB="0" anchor="b">
+                    <a:lnL>
+                      <a:noFill/>
+                    </a:lnL>
+                    <a:lnR>
+                      <a:noFill/>
+                    </a:lnR>
+                    <a:lnT>
+                      <a:noFill/>
+                    </a:lnT>
+                    <a:lnB>
+                      <a:noFill/>
+                    </a:lnB>
+                  </a:tcPr>
+                </a:tc>
+                <a:extLst>
+                  <a:ext uri="{0D108BD9-81ED-4DB2-BD59-A6C34878D82A}">
+                    <a16:rowId xmlns:a16="http://schemas.microsoft.com/office/drawing/2014/main" val="61873247"/>
+                  </a:ext>
+                </a:extLst>
+              </a:tr>
+              <a:tr h="180975">
+                <a:tc>
+                  <a:txBody>
+                    <a:bodyPr/>
+                    <a:lstStyle/>
+                    <a:p>
+                      <a:pPr algn="l" fontAlgn="b"/>
+                      <a:r>
+                        <a:rPr lang="en-US" sz="1100" b="0" i="0" u="none" strike="noStrike">
+                          <a:solidFill>
+                            <a:srgbClr val="000000"/>
+                          </a:solidFill>
+                          <a:effectLst/>
+                          <a:latin typeface="Calibri" panose="020F0502020204030204" pitchFamily="34" charset="0"/>
+                        </a:rPr>
+                        <a:t>DistanceFromHome</a:t>
+                      </a:r>
+                    </a:p>
+                  </a:txBody>
+                  <a:tcPr marL="4763" marR="4763" marT="4763" marB="0" anchor="b">
+                    <a:lnL>
+                      <a:noFill/>
+                    </a:lnL>
+                    <a:lnR>
+                      <a:noFill/>
+                    </a:lnR>
+                    <a:lnT>
+                      <a:noFill/>
+                    </a:lnT>
+                    <a:lnB>
+                      <a:noFill/>
+                    </a:lnB>
+                  </a:tcPr>
+                </a:tc>
+                <a:tc>
+                  <a:txBody>
+                    <a:bodyPr/>
+                    <a:lstStyle/>
+                    <a:p>
+                      <a:pPr algn="l" fontAlgn="b"/>
+                      <a:r>
+                        <a:rPr lang="en-US" sz="1100" b="0" i="0" u="none" strike="noStrike">
+                          <a:solidFill>
+                            <a:srgbClr val="000000"/>
+                          </a:solidFill>
+                          <a:effectLst/>
+                          <a:latin typeface="Calibri" panose="020F0502020204030204" pitchFamily="34" charset="0"/>
+                        </a:rPr>
+                        <a:t>Education</a:t>
+                      </a:r>
+                    </a:p>
+                  </a:txBody>
+                  <a:tcPr marL="4763" marR="4763" marT="4763" marB="0" anchor="b">
+                    <a:lnL>
+                      <a:noFill/>
+                    </a:lnL>
+                    <a:lnR>
+                      <a:noFill/>
+                    </a:lnR>
+                    <a:lnT>
+                      <a:noFill/>
+                    </a:lnT>
+                    <a:lnB>
+                      <a:noFill/>
+                    </a:lnB>
+                  </a:tcPr>
+                </a:tc>
+                <a:tc>
+                  <a:txBody>
+                    <a:bodyPr/>
+                    <a:lstStyle/>
+                    <a:p>
+                      <a:pPr algn="l" fontAlgn="b"/>
+                      <a:r>
+                        <a:rPr lang="en-US" sz="1100" b="0" i="0" u="none" strike="noStrike">
+                          <a:solidFill>
+                            <a:srgbClr val="000000"/>
+                          </a:solidFill>
+                          <a:effectLst/>
+                          <a:latin typeface="Calibri" panose="020F0502020204030204" pitchFamily="34" charset="0"/>
+                        </a:rPr>
+                        <a:t>EducationField</a:t>
+                      </a:r>
+                    </a:p>
+                  </a:txBody>
+                  <a:tcPr marL="4763" marR="4763" marT="4763" marB="0" anchor="b">
+                    <a:lnL>
+                      <a:noFill/>
+                    </a:lnL>
+                    <a:lnR>
+                      <a:noFill/>
+                    </a:lnR>
+                    <a:lnT>
+                      <a:noFill/>
+                    </a:lnT>
+                    <a:lnB>
+                      <a:noFill/>
+                    </a:lnB>
+                  </a:tcPr>
+                </a:tc>
+                <a:tc>
+                  <a:txBody>
+                    <a:bodyPr/>
+                    <a:lstStyle/>
+                    <a:p>
+                      <a:pPr algn="l" fontAlgn="b"/>
+                      <a:r>
+                        <a:rPr lang="en-US" sz="1100" b="0" i="0" u="none" strike="noStrike">
+                          <a:solidFill>
+                            <a:srgbClr val="000000"/>
+                          </a:solidFill>
+                          <a:effectLst/>
+                          <a:latin typeface="Calibri" panose="020F0502020204030204" pitchFamily="34" charset="0"/>
+                        </a:rPr>
+                        <a:t>StandardHours</a:t>
+                      </a:r>
+                    </a:p>
+                  </a:txBody>
+                  <a:tcPr marL="4763" marR="4763" marT="4763" marB="0" anchor="b">
+                    <a:lnL>
+                      <a:noFill/>
+                    </a:lnL>
+                    <a:lnR>
+                      <a:noFill/>
+                    </a:lnR>
+                    <a:lnT>
+                      <a:noFill/>
+                    </a:lnT>
+                    <a:lnB>
+                      <a:noFill/>
+                    </a:lnB>
+                    <a:solidFill>
+                      <a:srgbClr val="FFB9B9"/>
+                    </a:solidFill>
+                  </a:tcPr>
+                </a:tc>
+                <a:extLst>
+                  <a:ext uri="{0D108BD9-81ED-4DB2-BD59-A6C34878D82A}">
+                    <a16:rowId xmlns:a16="http://schemas.microsoft.com/office/drawing/2014/main" val="3992387823"/>
+                  </a:ext>
+                </a:extLst>
+              </a:tr>
+              <a:tr h="180975">
+                <a:tc>
+                  <a:txBody>
+                    <a:bodyPr/>
+                    <a:lstStyle/>
+                    <a:p>
+                      <a:pPr algn="l" fontAlgn="b"/>
+                      <a:r>
+                        <a:rPr lang="en-US" sz="1100" b="0" i="0" u="none" strike="noStrike">
+                          <a:solidFill>
+                            <a:srgbClr val="000000"/>
+                          </a:solidFill>
+                          <a:effectLst/>
+                          <a:latin typeface="Calibri" panose="020F0502020204030204" pitchFamily="34" charset="0"/>
+                        </a:rPr>
+                        <a:t>EmployeeCount</a:t>
+                      </a:r>
+                    </a:p>
+                  </a:txBody>
+                  <a:tcPr marL="4763" marR="4763" marT="4763" marB="0" anchor="b">
+                    <a:lnL>
+                      <a:noFill/>
+                    </a:lnL>
+                    <a:lnR>
+                      <a:noFill/>
+                    </a:lnR>
+                    <a:lnT>
+                      <a:noFill/>
+                    </a:lnT>
+                    <a:lnB>
+                      <a:noFill/>
+                    </a:lnB>
+                    <a:solidFill>
+                      <a:srgbClr val="FFB9B9"/>
+                    </a:solidFill>
+                  </a:tcPr>
+                </a:tc>
+                <a:tc>
+                  <a:txBody>
+                    <a:bodyPr/>
+                    <a:lstStyle/>
+                    <a:p>
+                      <a:pPr algn="l" fontAlgn="b"/>
+                      <a:r>
+                        <a:rPr lang="en-US" sz="1100" b="0" i="0" u="none" strike="noStrike">
+                          <a:solidFill>
+                            <a:srgbClr val="000000"/>
+                          </a:solidFill>
+                          <a:effectLst/>
+                          <a:latin typeface="Calibri" panose="020F0502020204030204" pitchFamily="34" charset="0"/>
+                        </a:rPr>
+                        <a:t>EmployeeNumber</a:t>
+                      </a:r>
+                    </a:p>
+                  </a:txBody>
+                  <a:tcPr marL="4763" marR="4763" marT="4763" marB="0" anchor="b">
+                    <a:lnL>
+                      <a:noFill/>
+                    </a:lnL>
+                    <a:lnR>
+                      <a:noFill/>
+                    </a:lnR>
+                    <a:lnT>
+                      <a:noFill/>
+                    </a:lnT>
+                    <a:lnB>
+                      <a:noFill/>
+                    </a:lnB>
+                    <a:solidFill>
+                      <a:srgbClr val="FFB9B9"/>
+                    </a:solidFill>
+                  </a:tcPr>
+                </a:tc>
+                <a:tc>
+                  <a:txBody>
+                    <a:bodyPr/>
+                    <a:lstStyle/>
+                    <a:p>
+                      <a:pPr algn="l" fontAlgn="b"/>
+                      <a:r>
+                        <a:rPr lang="en-US" sz="1100" b="0" i="0" u="none" strike="noStrike">
+                          <a:solidFill>
+                            <a:srgbClr val="000000"/>
+                          </a:solidFill>
+                          <a:effectLst/>
+                          <a:latin typeface="Calibri" panose="020F0502020204030204" pitchFamily="34" charset="0"/>
+                        </a:rPr>
+                        <a:t>EnvironmentSatisfaction</a:t>
+                      </a:r>
+                    </a:p>
+                  </a:txBody>
+                  <a:tcPr marL="4763" marR="4763" marT="4763" marB="0" anchor="b">
+                    <a:lnL>
+                      <a:noFill/>
+                    </a:lnL>
+                    <a:lnR>
+                      <a:noFill/>
+                    </a:lnR>
+                    <a:lnT>
+                      <a:noFill/>
+                    </a:lnT>
+                    <a:lnB>
+                      <a:noFill/>
+                    </a:lnB>
+                  </a:tcPr>
+                </a:tc>
+                <a:tc>
+                  <a:txBody>
+                    <a:bodyPr/>
+                    <a:lstStyle/>
+                    <a:p>
+                      <a:pPr algn="l" fontAlgn="b"/>
+                      <a:r>
+                        <a:rPr lang="en-US" sz="1100" b="0" i="0" u="none" strike="noStrike">
+                          <a:solidFill>
+                            <a:srgbClr val="000000"/>
+                          </a:solidFill>
+                          <a:effectLst/>
+                          <a:latin typeface="Calibri" panose="020F0502020204030204" pitchFamily="34" charset="0"/>
+                        </a:rPr>
+                        <a:t>TrainingTimesLastYear</a:t>
+                      </a:r>
+                    </a:p>
+                  </a:txBody>
+                  <a:tcPr marL="4763" marR="4763" marT="4763" marB="0" anchor="b">
+                    <a:lnL>
+                      <a:noFill/>
+                    </a:lnL>
+                    <a:lnR>
+                      <a:noFill/>
+                    </a:lnR>
+                    <a:lnT>
+                      <a:noFill/>
+                    </a:lnT>
+                    <a:lnB>
+                      <a:noFill/>
+                    </a:lnB>
+                  </a:tcPr>
+                </a:tc>
+                <a:extLst>
+                  <a:ext uri="{0D108BD9-81ED-4DB2-BD59-A6C34878D82A}">
+                    <a16:rowId xmlns:a16="http://schemas.microsoft.com/office/drawing/2014/main" val="1236368544"/>
+                  </a:ext>
+                </a:extLst>
+              </a:tr>
+              <a:tr h="180975">
+                <a:tc>
+                  <a:txBody>
+                    <a:bodyPr/>
+                    <a:lstStyle/>
+                    <a:p>
+                      <a:pPr algn="l" fontAlgn="b"/>
+                      <a:r>
+                        <a:rPr lang="en-US" sz="1100" b="0" i="0" u="none" strike="noStrike">
+                          <a:solidFill>
+                            <a:srgbClr val="000000"/>
+                          </a:solidFill>
+                          <a:effectLst/>
+                          <a:latin typeface="Calibri" panose="020F0502020204030204" pitchFamily="34" charset="0"/>
+                        </a:rPr>
+                        <a:t>Gender</a:t>
+                      </a:r>
+                    </a:p>
+                  </a:txBody>
+                  <a:tcPr marL="4763" marR="4763" marT="4763" marB="0" anchor="b">
+                    <a:lnL>
+                      <a:noFill/>
+                    </a:lnL>
+                    <a:lnR>
+                      <a:noFill/>
+                    </a:lnR>
+                    <a:lnT>
+                      <a:noFill/>
+                    </a:lnT>
+                    <a:lnB>
+                      <a:noFill/>
+                    </a:lnB>
+                  </a:tcPr>
+                </a:tc>
+                <a:tc>
+                  <a:txBody>
+                    <a:bodyPr/>
+                    <a:lstStyle/>
+                    <a:p>
+                      <a:pPr algn="l" fontAlgn="b"/>
+                      <a:r>
+                        <a:rPr lang="en-US" sz="1100" b="0" i="0" u="none" strike="noStrike">
+                          <a:solidFill>
+                            <a:srgbClr val="000000"/>
+                          </a:solidFill>
+                          <a:effectLst/>
+                          <a:latin typeface="Calibri" panose="020F0502020204030204" pitchFamily="34" charset="0"/>
+                        </a:rPr>
+                        <a:t>HourlyRate</a:t>
+                      </a:r>
+                    </a:p>
+                  </a:txBody>
+                  <a:tcPr marL="4763" marR="4763" marT="4763" marB="0" anchor="b">
+                    <a:lnL>
+                      <a:noFill/>
+                    </a:lnL>
+                    <a:lnR>
+                      <a:noFill/>
+                    </a:lnR>
+                    <a:lnT>
+                      <a:noFill/>
+                    </a:lnT>
+                    <a:lnB>
+                      <a:noFill/>
+                    </a:lnB>
+                  </a:tcPr>
+                </a:tc>
+                <a:tc>
+                  <a:txBody>
+                    <a:bodyPr/>
+                    <a:lstStyle/>
+                    <a:p>
+                      <a:pPr algn="l" fontAlgn="b"/>
+                      <a:r>
+                        <a:rPr lang="en-US" sz="1100" b="0" i="0" u="none" strike="noStrike">
+                          <a:solidFill>
+                            <a:srgbClr val="000000"/>
+                          </a:solidFill>
+                          <a:effectLst/>
+                          <a:latin typeface="Calibri" panose="020F0502020204030204" pitchFamily="34" charset="0"/>
+                        </a:rPr>
+                        <a:t>JobInvolvement</a:t>
+                      </a:r>
+                    </a:p>
+                  </a:txBody>
+                  <a:tcPr marL="4763" marR="4763" marT="4763" marB="0" anchor="b">
+                    <a:lnL>
+                      <a:noFill/>
+                    </a:lnL>
+                    <a:lnR>
+                      <a:noFill/>
+                    </a:lnR>
+                    <a:lnT>
+                      <a:noFill/>
+                    </a:lnT>
+                    <a:lnB>
+                      <a:noFill/>
+                    </a:lnB>
+                  </a:tcPr>
+                </a:tc>
+                <a:tc>
+                  <a:txBody>
+                    <a:bodyPr/>
+                    <a:lstStyle/>
+                    <a:p>
+                      <a:pPr algn="l" fontAlgn="b"/>
+                      <a:r>
+                        <a:rPr lang="en-US" sz="1100" b="0" i="0" u="none" strike="noStrike">
+                          <a:solidFill>
+                            <a:srgbClr val="000000"/>
+                          </a:solidFill>
+                          <a:effectLst/>
+                          <a:latin typeface="Calibri" panose="020F0502020204030204" pitchFamily="34" charset="0"/>
+                        </a:rPr>
+                        <a:t>YearsInCurrentRole</a:t>
+                      </a:r>
+                    </a:p>
+                  </a:txBody>
+                  <a:tcPr marL="4763" marR="4763" marT="4763" marB="0" anchor="b">
+                    <a:lnL>
+                      <a:noFill/>
+                    </a:lnL>
+                    <a:lnR>
+                      <a:noFill/>
+                    </a:lnR>
+                    <a:lnT>
+                      <a:noFill/>
+                    </a:lnT>
+                    <a:lnB>
+                      <a:noFill/>
+                    </a:lnB>
+                  </a:tcPr>
+                </a:tc>
+                <a:extLst>
+                  <a:ext uri="{0D108BD9-81ED-4DB2-BD59-A6C34878D82A}">
+                    <a16:rowId xmlns:a16="http://schemas.microsoft.com/office/drawing/2014/main" val="2566212671"/>
+                  </a:ext>
+                </a:extLst>
+              </a:tr>
+              <a:tr h="180975">
+                <a:tc>
+                  <a:txBody>
+                    <a:bodyPr/>
+                    <a:lstStyle/>
+                    <a:p>
+                      <a:pPr algn="l" fontAlgn="b"/>
+                      <a:r>
+                        <a:rPr lang="en-US" sz="1100" b="0" i="0" u="none" strike="noStrike">
+                          <a:solidFill>
+                            <a:srgbClr val="000000"/>
+                          </a:solidFill>
+                          <a:effectLst/>
+                          <a:latin typeface="Calibri" panose="020F0502020204030204" pitchFamily="34" charset="0"/>
+                        </a:rPr>
+                        <a:t>JobLevel</a:t>
+                      </a:r>
+                    </a:p>
+                  </a:txBody>
+                  <a:tcPr marL="4763" marR="4763" marT="4763" marB="0" anchor="b">
+                    <a:lnL>
+                      <a:noFill/>
+                    </a:lnL>
+                    <a:lnR>
+                      <a:noFill/>
+                    </a:lnR>
+                    <a:lnT>
+                      <a:noFill/>
+                    </a:lnT>
+                    <a:lnB>
+                      <a:noFill/>
+                    </a:lnB>
+                  </a:tcPr>
+                </a:tc>
+                <a:tc>
+                  <a:txBody>
+                    <a:bodyPr/>
+                    <a:lstStyle/>
+                    <a:p>
+                      <a:pPr algn="l" fontAlgn="b"/>
+                      <a:r>
+                        <a:rPr lang="en-US" sz="1100" b="0" i="0" u="none" strike="noStrike">
+                          <a:solidFill>
+                            <a:srgbClr val="000000"/>
+                          </a:solidFill>
+                          <a:effectLst/>
+                          <a:latin typeface="Calibri" panose="020F0502020204030204" pitchFamily="34" charset="0"/>
+                        </a:rPr>
+                        <a:t>JobRole</a:t>
+                      </a:r>
+                    </a:p>
+                  </a:txBody>
+                  <a:tcPr marL="4763" marR="4763" marT="4763" marB="0" anchor="b">
+                    <a:lnL>
+                      <a:noFill/>
+                    </a:lnL>
+                    <a:lnR>
+                      <a:noFill/>
+                    </a:lnR>
+                    <a:lnT>
+                      <a:noFill/>
+                    </a:lnT>
+                    <a:lnB>
+                      <a:noFill/>
+                    </a:lnB>
+                  </a:tcPr>
+                </a:tc>
+                <a:tc>
+                  <a:txBody>
+                    <a:bodyPr/>
+                    <a:lstStyle/>
+                    <a:p>
+                      <a:pPr algn="l" fontAlgn="b"/>
+                      <a:r>
+                        <a:rPr lang="en-US" sz="1100" b="0" i="0" u="none" strike="noStrike">
+                          <a:solidFill>
+                            <a:srgbClr val="000000"/>
+                          </a:solidFill>
+                          <a:effectLst/>
+                          <a:latin typeface="Calibri" panose="020F0502020204030204" pitchFamily="34" charset="0"/>
+                        </a:rPr>
+                        <a:t>JobSatisfaction</a:t>
+                      </a:r>
+                    </a:p>
+                  </a:txBody>
+                  <a:tcPr marL="4763" marR="4763" marT="4763" marB="0" anchor="b">
+                    <a:lnL>
+                      <a:noFill/>
+                    </a:lnL>
+                    <a:lnR>
+                      <a:noFill/>
+                    </a:lnR>
+                    <a:lnT>
+                      <a:noFill/>
+                    </a:lnT>
+                    <a:lnB>
+                      <a:noFill/>
+                    </a:lnB>
+                  </a:tcPr>
+                </a:tc>
+                <a:tc>
+                  <a:txBody>
+                    <a:bodyPr/>
+                    <a:lstStyle/>
+                    <a:p>
+                      <a:pPr algn="l" fontAlgn="b"/>
+                      <a:r>
+                        <a:rPr lang="en-US" sz="1100" b="0" i="0" u="none" strike="noStrike">
+                          <a:solidFill>
+                            <a:srgbClr val="000000"/>
+                          </a:solidFill>
+                          <a:effectLst/>
+                          <a:latin typeface="Calibri" panose="020F0502020204030204" pitchFamily="34" charset="0"/>
+                        </a:rPr>
+                        <a:t>Over18</a:t>
+                      </a:r>
+                    </a:p>
+                  </a:txBody>
+                  <a:tcPr marL="4763" marR="4763" marT="4763" marB="0" anchor="b">
+                    <a:lnL>
+                      <a:noFill/>
+                    </a:lnL>
+                    <a:lnR>
+                      <a:noFill/>
+                    </a:lnR>
+                    <a:lnT>
+                      <a:noFill/>
+                    </a:lnT>
+                    <a:lnB>
+                      <a:noFill/>
+                    </a:lnB>
+                    <a:solidFill>
+                      <a:srgbClr val="FFB9B9"/>
+                    </a:solidFill>
+                  </a:tcPr>
+                </a:tc>
+                <a:extLst>
+                  <a:ext uri="{0D108BD9-81ED-4DB2-BD59-A6C34878D82A}">
+                    <a16:rowId xmlns:a16="http://schemas.microsoft.com/office/drawing/2014/main" val="1112784561"/>
+                  </a:ext>
+                </a:extLst>
+              </a:tr>
+              <a:tr h="180975">
+                <a:tc>
+                  <a:txBody>
+                    <a:bodyPr/>
+                    <a:lstStyle/>
+                    <a:p>
+                      <a:pPr algn="l" fontAlgn="b"/>
+                      <a:r>
+                        <a:rPr lang="en-US" sz="1100" b="0" i="0" u="none" strike="noStrike">
+                          <a:solidFill>
+                            <a:srgbClr val="000000"/>
+                          </a:solidFill>
+                          <a:effectLst/>
+                          <a:latin typeface="Calibri" panose="020F0502020204030204" pitchFamily="34" charset="0"/>
+                        </a:rPr>
+                        <a:t>MaritalStatus</a:t>
+                      </a:r>
+                    </a:p>
+                  </a:txBody>
+                  <a:tcPr marL="4763" marR="4763" marT="4763" marB="0" anchor="b">
+                    <a:lnL>
+                      <a:noFill/>
+                    </a:lnL>
+                    <a:lnR>
+                      <a:noFill/>
+                    </a:lnR>
+                    <a:lnT>
+                      <a:noFill/>
+                    </a:lnT>
+                    <a:lnB>
+                      <a:noFill/>
+                    </a:lnB>
+                  </a:tcPr>
+                </a:tc>
+                <a:tc>
+                  <a:txBody>
+                    <a:bodyPr/>
+                    <a:lstStyle/>
+                    <a:p>
+                      <a:pPr algn="l" fontAlgn="b"/>
+                      <a:r>
+                        <a:rPr lang="en-US" sz="1100" b="0" i="0" u="none" strike="noStrike">
+                          <a:solidFill>
+                            <a:srgbClr val="000000"/>
+                          </a:solidFill>
+                          <a:effectLst/>
+                          <a:latin typeface="Calibri" panose="020F0502020204030204" pitchFamily="34" charset="0"/>
+                        </a:rPr>
+                        <a:t>MonthlyIncome</a:t>
+                      </a:r>
+                    </a:p>
+                  </a:txBody>
+                  <a:tcPr marL="4763" marR="4763" marT="4763" marB="0" anchor="b">
+                    <a:lnL>
+                      <a:noFill/>
+                    </a:lnL>
+                    <a:lnR>
+                      <a:noFill/>
+                    </a:lnR>
+                    <a:lnT>
+                      <a:noFill/>
+                    </a:lnT>
+                    <a:lnB>
+                      <a:noFill/>
+                    </a:lnB>
+                  </a:tcPr>
+                </a:tc>
+                <a:tc>
+                  <a:txBody>
+                    <a:bodyPr/>
+                    <a:lstStyle/>
+                    <a:p>
+                      <a:pPr algn="l" fontAlgn="b"/>
+                      <a:r>
+                        <a:rPr lang="en-US" sz="1100" b="0" i="0" u="none" strike="noStrike">
+                          <a:solidFill>
+                            <a:srgbClr val="000000"/>
+                          </a:solidFill>
+                          <a:effectLst/>
+                          <a:latin typeface="Calibri" panose="020F0502020204030204" pitchFamily="34" charset="0"/>
+                        </a:rPr>
+                        <a:t>MonthlyRate</a:t>
+                      </a:r>
+                    </a:p>
+                  </a:txBody>
+                  <a:tcPr marL="4763" marR="4763" marT="4763" marB="0" anchor="b">
+                    <a:lnL>
+                      <a:noFill/>
+                    </a:lnL>
+                    <a:lnR>
+                      <a:noFill/>
+                    </a:lnR>
+                    <a:lnT>
+                      <a:noFill/>
+                    </a:lnT>
+                    <a:lnB>
+                      <a:noFill/>
+                    </a:lnB>
+                  </a:tcPr>
+                </a:tc>
+                <a:tc>
+                  <a:txBody>
+                    <a:bodyPr/>
+                    <a:lstStyle/>
+                    <a:p>
+                      <a:pPr algn="l" fontAlgn="b"/>
+                      <a:r>
+                        <a:rPr lang="en-US" sz="1100" b="0" i="0" u="none" strike="noStrike">
+                          <a:solidFill>
+                            <a:srgbClr val="000000"/>
+                          </a:solidFill>
+                          <a:effectLst/>
+                          <a:latin typeface="Calibri" panose="020F0502020204030204" pitchFamily="34" charset="0"/>
+                        </a:rPr>
+                        <a:t>PerformanceRating</a:t>
+                      </a:r>
+                    </a:p>
+                  </a:txBody>
+                  <a:tcPr marL="4763" marR="4763" marT="4763" marB="0" anchor="b">
+                    <a:lnL>
+                      <a:noFill/>
+                    </a:lnL>
+                    <a:lnR>
+                      <a:noFill/>
+                    </a:lnR>
+                    <a:lnT>
+                      <a:noFill/>
+                    </a:lnT>
+                    <a:lnB>
+                      <a:noFill/>
+                    </a:lnB>
+                  </a:tcPr>
+                </a:tc>
+                <a:extLst>
+                  <a:ext uri="{0D108BD9-81ED-4DB2-BD59-A6C34878D82A}">
+                    <a16:rowId xmlns:a16="http://schemas.microsoft.com/office/drawing/2014/main" val="3682029799"/>
+                  </a:ext>
+                </a:extLst>
+              </a:tr>
+              <a:tr h="180975">
+                <a:tc>
+                  <a:txBody>
+                    <a:bodyPr/>
+                    <a:lstStyle/>
+                    <a:p>
+                      <a:pPr algn="l" fontAlgn="b"/>
+                      <a:r>
+                        <a:rPr lang="en-US" sz="1100" b="0" i="0" u="none" strike="noStrike">
+                          <a:solidFill>
+                            <a:srgbClr val="000000"/>
+                          </a:solidFill>
+                          <a:effectLst/>
+                          <a:latin typeface="Calibri" panose="020F0502020204030204" pitchFamily="34" charset="0"/>
+                        </a:rPr>
+                        <a:t>WorkLifeBalance</a:t>
+                      </a:r>
+                    </a:p>
+                  </a:txBody>
+                  <a:tcPr marL="4763" marR="4763" marT="4763" marB="0" anchor="b">
+                    <a:lnL>
+                      <a:noFill/>
+                    </a:lnL>
+                    <a:lnR>
+                      <a:noFill/>
+                    </a:lnR>
+                    <a:lnT>
+                      <a:noFill/>
+                    </a:lnT>
+                    <a:lnB>
+                      <a:noFill/>
+                    </a:lnB>
+                  </a:tcPr>
+                </a:tc>
+                <a:tc>
+                  <a:txBody>
+                    <a:bodyPr/>
+                    <a:lstStyle/>
+                    <a:p>
+                      <a:pPr algn="l" fontAlgn="b"/>
+                      <a:r>
+                        <a:rPr lang="en-US" sz="1100" b="0" i="0" u="none" strike="noStrike">
+                          <a:solidFill>
+                            <a:srgbClr val="000000"/>
+                          </a:solidFill>
+                          <a:effectLst/>
+                          <a:latin typeface="Calibri" panose="020F0502020204030204" pitchFamily="34" charset="0"/>
+                        </a:rPr>
+                        <a:t>OverTime</a:t>
+                      </a:r>
+                    </a:p>
+                  </a:txBody>
+                  <a:tcPr marL="4763" marR="4763" marT="4763" marB="0" anchor="b">
+                    <a:lnL>
+                      <a:noFill/>
+                    </a:lnL>
+                    <a:lnR>
+                      <a:noFill/>
+                    </a:lnR>
+                    <a:lnT>
+                      <a:noFill/>
+                    </a:lnT>
+                    <a:lnB>
+                      <a:noFill/>
+                    </a:lnB>
+                  </a:tcPr>
+                </a:tc>
+                <a:tc>
+                  <a:txBody>
+                    <a:bodyPr/>
+                    <a:lstStyle/>
+                    <a:p>
+                      <a:pPr algn="l" fontAlgn="b"/>
+                      <a:r>
+                        <a:rPr lang="en-US" sz="1100" b="0" i="0" u="none" strike="noStrike">
+                          <a:solidFill>
+                            <a:srgbClr val="000000"/>
+                          </a:solidFill>
+                          <a:effectLst/>
+                          <a:latin typeface="Calibri" panose="020F0502020204030204" pitchFamily="34" charset="0"/>
+                        </a:rPr>
+                        <a:t>YearsSinceLastPromotion</a:t>
+                      </a:r>
+                    </a:p>
+                  </a:txBody>
+                  <a:tcPr marL="4763" marR="4763" marT="4763" marB="0" anchor="b">
+                    <a:lnL>
+                      <a:noFill/>
+                    </a:lnL>
+                    <a:lnR>
+                      <a:noFill/>
+                    </a:lnR>
+                    <a:lnT>
+                      <a:noFill/>
+                    </a:lnT>
+                    <a:lnB>
+                      <a:noFill/>
+                    </a:lnB>
+                  </a:tcPr>
+                </a:tc>
+                <a:tc>
+                  <a:txBody>
+                    <a:bodyPr/>
+                    <a:lstStyle/>
+                    <a:p>
+                      <a:pPr algn="l" fontAlgn="b"/>
+                      <a:r>
+                        <a:rPr lang="en-US" sz="1100" b="0" i="0" u="none" strike="noStrike">
+                          <a:solidFill>
+                            <a:srgbClr val="000000"/>
+                          </a:solidFill>
+                          <a:effectLst/>
+                          <a:latin typeface="Calibri" panose="020F0502020204030204" pitchFamily="34" charset="0"/>
+                        </a:rPr>
+                        <a:t>StockOptionLevel</a:t>
+                      </a:r>
+                    </a:p>
+                  </a:txBody>
+                  <a:tcPr marL="4763" marR="4763" marT="4763" marB="0" anchor="b">
+                    <a:lnL>
+                      <a:noFill/>
+                    </a:lnL>
+                    <a:lnR>
+                      <a:noFill/>
+                    </a:lnR>
+                    <a:lnT>
+                      <a:noFill/>
+                    </a:lnT>
+                    <a:lnB>
+                      <a:noFill/>
+                    </a:lnB>
+                  </a:tcPr>
+                </a:tc>
+                <a:extLst>
+                  <a:ext uri="{0D108BD9-81ED-4DB2-BD59-A6C34878D82A}">
+                    <a16:rowId xmlns:a16="http://schemas.microsoft.com/office/drawing/2014/main" val="1451789802"/>
+                  </a:ext>
+                </a:extLst>
+              </a:tr>
+              <a:tr h="180975">
+                <a:tc>
+                  <a:txBody>
+                    <a:bodyPr/>
+                    <a:lstStyle/>
+                    <a:p>
+                      <a:pPr algn="l" fontAlgn="b"/>
+                      <a:r>
+                        <a:rPr lang="en-US" sz="1100" b="0" i="0" u="none" strike="noStrike">
+                          <a:solidFill>
+                            <a:srgbClr val="000000"/>
+                          </a:solidFill>
+                          <a:effectLst/>
+                          <a:latin typeface="Calibri" panose="020F0502020204030204" pitchFamily="34" charset="0"/>
+                        </a:rPr>
+                        <a:t>RelationshipSatisfaction</a:t>
+                      </a:r>
+                    </a:p>
+                  </a:txBody>
+                  <a:tcPr marL="4763" marR="4763" marT="4763" marB="0" anchor="b">
+                    <a:lnL>
+                      <a:noFill/>
+                    </a:lnL>
+                    <a:lnR>
+                      <a:noFill/>
+                    </a:lnR>
+                    <a:lnT>
+                      <a:noFill/>
+                    </a:lnT>
+                    <a:lnB>
+                      <a:noFill/>
+                    </a:lnB>
+                  </a:tcPr>
+                </a:tc>
+                <a:tc>
+                  <a:txBody>
+                    <a:bodyPr/>
+                    <a:lstStyle/>
+                    <a:p>
+                      <a:pPr algn="l" fontAlgn="b"/>
+                      <a:r>
+                        <a:rPr lang="en-US" sz="1100" b="0" i="0" u="none" strike="noStrike">
+                          <a:solidFill>
+                            <a:srgbClr val="000000"/>
+                          </a:solidFill>
+                          <a:effectLst/>
+                          <a:latin typeface="Calibri" panose="020F0502020204030204" pitchFamily="34" charset="0"/>
+                        </a:rPr>
+                        <a:t>TotalWorkingYears</a:t>
+                      </a:r>
+                    </a:p>
+                  </a:txBody>
+                  <a:tcPr marL="4763" marR="4763" marT="4763" marB="0" anchor="b">
+                    <a:lnL>
+                      <a:noFill/>
+                    </a:lnL>
+                    <a:lnR>
+                      <a:noFill/>
+                    </a:lnR>
+                    <a:lnT>
+                      <a:noFill/>
+                    </a:lnT>
+                    <a:lnB>
+                      <a:noFill/>
+                    </a:lnB>
+                  </a:tcPr>
+                </a:tc>
+                <a:tc>
+                  <a:txBody>
+                    <a:bodyPr/>
+                    <a:lstStyle/>
+                    <a:p>
+                      <a:pPr algn="l" fontAlgn="b"/>
+                      <a:r>
+                        <a:rPr lang="en-US" sz="1100" b="0" i="0" u="none" strike="noStrike">
+                          <a:solidFill>
+                            <a:srgbClr val="000000"/>
+                          </a:solidFill>
+                          <a:effectLst/>
+                          <a:latin typeface="Calibri" panose="020F0502020204030204" pitchFamily="34" charset="0"/>
+                        </a:rPr>
+                        <a:t>YearsAtCompany</a:t>
+                      </a:r>
+                    </a:p>
+                  </a:txBody>
+                  <a:tcPr marL="4763" marR="4763" marT="4763" marB="0" anchor="b">
+                    <a:lnL>
+                      <a:noFill/>
+                    </a:lnL>
+                    <a:lnR>
+                      <a:noFill/>
+                    </a:lnR>
+                    <a:lnT>
+                      <a:noFill/>
+                    </a:lnT>
+                    <a:lnB>
+                      <a:noFill/>
+                    </a:lnB>
+                  </a:tcPr>
+                </a:tc>
+                <a:tc>
+                  <a:txBody>
+                    <a:bodyPr/>
+                    <a:lstStyle/>
+                    <a:p>
+                      <a:pPr algn="l" fontAlgn="b"/>
+                      <a:r>
+                        <a:rPr lang="en-US" sz="1100" b="0" i="0" u="none" strike="noStrike" dirty="0" err="1">
+                          <a:solidFill>
+                            <a:srgbClr val="000000"/>
+                          </a:solidFill>
+                          <a:effectLst/>
+                          <a:latin typeface="Calibri" panose="020F0502020204030204" pitchFamily="34" charset="0"/>
+                        </a:rPr>
+                        <a:t>YearsWithCurrManager</a:t>
+                      </a:r>
+                      <a:endParaRPr lang="en-US" sz="1100" b="0" i="0" u="none" strike="noStrike" dirty="0">
+                        <a:solidFill>
+                          <a:srgbClr val="000000"/>
+                        </a:solidFill>
+                        <a:effectLst/>
+                        <a:latin typeface="Calibri" panose="020F0502020204030204" pitchFamily="34" charset="0"/>
+                      </a:endParaRPr>
+                    </a:p>
+                  </a:txBody>
+                  <a:tcPr marL="4763" marR="4763" marT="4763" marB="0" anchor="b">
+                    <a:lnL>
+                      <a:noFill/>
+                    </a:lnL>
+                    <a:lnR>
+                      <a:noFill/>
+                    </a:lnR>
+                    <a:lnT>
+                      <a:noFill/>
+                    </a:lnT>
+                    <a:lnB>
+                      <a:noFill/>
+                    </a:lnB>
+                  </a:tcPr>
+                </a:tc>
+                <a:extLst>
+                  <a:ext uri="{0D108BD9-81ED-4DB2-BD59-A6C34878D82A}">
+                    <a16:rowId xmlns:a16="http://schemas.microsoft.com/office/drawing/2014/main" val="57173076"/>
+                  </a:ext>
+                </a:extLst>
+              </a:tr>
+            </a:tbl>
+          </a:graphicData>
+        </a:graphic>
+      </p:graphicFrame>
     </p:spTree>
     <p:extLst>
       <p:ext uri="{BB962C8B-B14F-4D97-AF65-F5344CB8AC3E}">
-        <p14:creationId xmlns:p14="http://schemas.microsoft.com/office/powerpoint/2010/main" val="3706867683"/>
+        <p14:creationId xmlns:p14="http://schemas.microsoft.com/office/powerpoint/2010/main" val="3113956019"/>
       </p:ext>
     </p:extLst>
   </p:cSld>
@@ -4211,7 +5677,7 @@
           <p:cNvPr id="2" name="Title 1">
             <a:extLst>
               <a:ext uri="{FF2B5EF4-FFF2-40B4-BE49-F238E27FC236}">
-                <a16:creationId xmlns:a16="http://schemas.microsoft.com/office/drawing/2014/main" id="{D58BD126-D5B7-4B64-99F5-ED5C6E81A771}"/>
+                <a16:creationId xmlns:a16="http://schemas.microsoft.com/office/drawing/2014/main" id="{BD63EA7F-5E8B-4375-98E3-523708585ADC}"/>
               </a:ext>
             </a:extLst>
           </p:cNvPr>
@@ -4219,7 +5685,7 @@
             <a:spLocks noGrp="1"/>
           </p:cNvSpPr>
           <p:nvPr>
-            <p:ph type="ctrTitle"/>
+            <p:ph type="title"/>
           </p:nvPr>
         </p:nvSpPr>
         <p:spPr/>
@@ -4229,7 +5695,189 @@
           <a:p>
             <a:r>
               <a:rPr lang="en-US" dirty="0"/>
-              <a:t>THANK YOU</a:t>
+              <a:t>Interesting Findings</a:t>
+            </a:r>
+          </a:p>
+        </p:txBody>
+      </p:sp>
+      <p:sp>
+        <p:nvSpPr>
+          <p:cNvPr id="9" name="Text Placeholder 8">
+            <a:extLst>
+              <a:ext uri="{FF2B5EF4-FFF2-40B4-BE49-F238E27FC236}">
+                <a16:creationId xmlns:a16="http://schemas.microsoft.com/office/drawing/2014/main" id="{DBA2A80E-D06B-4719-83D4-3FC19193D718}"/>
+              </a:ext>
+            </a:extLst>
+          </p:cNvPr>
+          <p:cNvSpPr>
+            <a:spLocks noGrp="1"/>
+          </p:cNvSpPr>
+          <p:nvPr>
+            <p:ph type="body" idx="1"/>
+          </p:nvPr>
+        </p:nvSpPr>
+        <p:spPr/>
+        <p:txBody>
+          <a:bodyPr/>
+          <a:lstStyle/>
+          <a:p>
+            <a:r>
+              <a:rPr lang="en-US" dirty="0"/>
+              <a:t>Increase Attrition</a:t>
+            </a:r>
+          </a:p>
+        </p:txBody>
+      </p:sp>
+      <p:sp>
+        <p:nvSpPr>
+          <p:cNvPr id="8" name="Content Placeholder 7">
+            <a:extLst>
+              <a:ext uri="{FF2B5EF4-FFF2-40B4-BE49-F238E27FC236}">
+                <a16:creationId xmlns:a16="http://schemas.microsoft.com/office/drawing/2014/main" id="{5B9C5607-C591-40E9-9D0B-96F554B037C1}"/>
+              </a:ext>
+            </a:extLst>
+          </p:cNvPr>
+          <p:cNvSpPr>
+            <a:spLocks noGrp="1"/>
+          </p:cNvSpPr>
+          <p:nvPr>
+            <p:ph sz="half" idx="2"/>
+          </p:nvPr>
+        </p:nvSpPr>
+        <p:spPr/>
+        <p:txBody>
+          <a:bodyPr>
+            <a:normAutofit fontScale="92500" lnSpcReduction="20000"/>
+          </a:bodyPr>
+          <a:lstStyle/>
+          <a:p>
+            <a:r>
+              <a:rPr lang="en-US" dirty="0"/>
+              <a:t>Sales Representatives</a:t>
+            </a:r>
+          </a:p>
+          <a:p>
+            <a:r>
+              <a:rPr lang="en-US" dirty="0"/>
+              <a:t>Overtime Positive</a:t>
+            </a:r>
+          </a:p>
+          <a:p>
+            <a:r>
+              <a:rPr lang="en-US" dirty="0"/>
+              <a:t>Single</a:t>
+            </a:r>
+          </a:p>
+          <a:p>
+            <a:r>
+              <a:rPr lang="en-US" dirty="0"/>
+              <a:t>Human Resources Education</a:t>
+            </a:r>
+          </a:p>
+          <a:p>
+            <a:r>
+              <a:rPr lang="en-US" dirty="0"/>
+              <a:t>Technical Education</a:t>
+            </a:r>
+          </a:p>
+          <a:p>
+            <a:r>
+              <a:rPr lang="en-US" dirty="0"/>
+              <a:t>Potential</a:t>
+            </a:r>
+          </a:p>
+        </p:txBody>
+      </p:sp>
+      <p:sp>
+        <p:nvSpPr>
+          <p:cNvPr id="10" name="Text Placeholder 9">
+            <a:extLst>
+              <a:ext uri="{FF2B5EF4-FFF2-40B4-BE49-F238E27FC236}">
+                <a16:creationId xmlns:a16="http://schemas.microsoft.com/office/drawing/2014/main" id="{A00C870C-AF2D-4615-A1BB-08D0FD069C94}"/>
+              </a:ext>
+            </a:extLst>
+          </p:cNvPr>
+          <p:cNvSpPr>
+            <a:spLocks noGrp="1"/>
+          </p:cNvSpPr>
+          <p:nvPr>
+            <p:ph type="body" sz="quarter" idx="3"/>
+          </p:nvPr>
+        </p:nvSpPr>
+        <p:spPr/>
+        <p:txBody>
+          <a:bodyPr/>
+          <a:lstStyle/>
+          <a:p>
+            <a:r>
+              <a:rPr lang="en-US" dirty="0"/>
+              <a:t>Decrease Attrition</a:t>
+            </a:r>
+          </a:p>
+        </p:txBody>
+      </p:sp>
+      <p:sp>
+        <p:nvSpPr>
+          <p:cNvPr id="11" name="Content Placeholder 10">
+            <a:extLst>
+              <a:ext uri="{FF2B5EF4-FFF2-40B4-BE49-F238E27FC236}">
+                <a16:creationId xmlns:a16="http://schemas.microsoft.com/office/drawing/2014/main" id="{8EF948E2-1C05-48B8-8408-CFCFDA7972E5}"/>
+              </a:ext>
+            </a:extLst>
+          </p:cNvPr>
+          <p:cNvSpPr>
+            <a:spLocks noGrp="1"/>
+          </p:cNvSpPr>
+          <p:nvPr>
+            <p:ph sz="quarter" idx="4"/>
+          </p:nvPr>
+        </p:nvSpPr>
+        <p:spPr/>
+        <p:txBody>
+          <a:bodyPr>
+            <a:normAutofit fontScale="92500" lnSpcReduction="20000"/>
+          </a:bodyPr>
+          <a:lstStyle/>
+          <a:p>
+            <a:r>
+              <a:rPr lang="en-US" dirty="0"/>
+              <a:t>Healthcare Representative </a:t>
+            </a:r>
+          </a:p>
+          <a:p>
+            <a:r>
+              <a:rPr lang="en-US" dirty="0"/>
+              <a:t>Overtime Negative</a:t>
+            </a:r>
+          </a:p>
+          <a:p>
+            <a:r>
+              <a:rPr lang="en-US" dirty="0"/>
+              <a:t>Divorced</a:t>
+            </a:r>
+          </a:p>
+          <a:p>
+            <a:r>
+              <a:rPr lang="en-US" dirty="0"/>
+              <a:t>Manager</a:t>
+            </a:r>
+          </a:p>
+          <a:p>
+            <a:r>
+              <a:rPr lang="en-US" dirty="0"/>
+              <a:t>Manufacturing Director</a:t>
+            </a:r>
+          </a:p>
+          <a:p>
+            <a:r>
+              <a:rPr lang="en-US" dirty="0"/>
+              <a:t>Research Director</a:t>
+            </a:r>
+          </a:p>
+          <a:p>
+            <a:r>
+              <a:rPr lang="en-US" dirty="0"/>
+              <a:t>Tenure</a:t>
             </a:r>
           </a:p>
         </p:txBody>
@@ -4237,7 +5885,7 @@
     </p:spTree>
     <p:extLst>
       <p:ext uri="{BB962C8B-B14F-4D97-AF65-F5344CB8AC3E}">
-        <p14:creationId xmlns:p14="http://schemas.microsoft.com/office/powerpoint/2010/main" val="1331187967"/>
+        <p14:creationId xmlns:p14="http://schemas.microsoft.com/office/powerpoint/2010/main" val="4280706848"/>
       </p:ext>
     </p:extLst>
   </p:cSld>
@@ -4269,6 +5917,1188 @@
           <p:cNvPr id="2" name="Title 1">
             <a:extLst>
               <a:ext uri="{FF2B5EF4-FFF2-40B4-BE49-F238E27FC236}">
+                <a16:creationId xmlns:a16="http://schemas.microsoft.com/office/drawing/2014/main" id="{3FBF31E0-317A-4E58-9BEB-ECD2981FE3AC}"/>
+              </a:ext>
+            </a:extLst>
+          </p:cNvPr>
+          <p:cNvSpPr>
+            <a:spLocks noGrp="1"/>
+          </p:cNvSpPr>
+          <p:nvPr>
+            <p:ph type="title"/>
+          </p:nvPr>
+        </p:nvSpPr>
+        <p:spPr/>
+        <p:txBody>
+          <a:bodyPr/>
+          <a:lstStyle/>
+          <a:p>
+            <a:r>
+              <a:rPr lang="en-US" dirty="0"/>
+              <a:t>Predicting Attrition</a:t>
+            </a:r>
+          </a:p>
+        </p:txBody>
+      </p:sp>
+      <p:sp>
+        <p:nvSpPr>
+          <p:cNvPr id="4" name="Content Placeholder 3">
+            <a:extLst>
+              <a:ext uri="{FF2B5EF4-FFF2-40B4-BE49-F238E27FC236}">
+                <a16:creationId xmlns:a16="http://schemas.microsoft.com/office/drawing/2014/main" id="{0503282B-A1B6-49B9-8158-2CFF174BF3DF}"/>
+              </a:ext>
+            </a:extLst>
+          </p:cNvPr>
+          <p:cNvSpPr>
+            <a:spLocks noGrp="1"/>
+          </p:cNvSpPr>
+          <p:nvPr>
+            <p:ph sz="half" idx="1"/>
+          </p:nvPr>
+        </p:nvSpPr>
+        <p:spPr/>
+        <p:txBody>
+          <a:bodyPr/>
+          <a:lstStyle/>
+          <a:p>
+            <a:pPr>
+              <a:buFont typeface="Arial" panose="020B0604020202020204" pitchFamily="34" charset="0"/>
+              <a:buChar char="•"/>
+            </a:pPr>
+            <a:r>
+              <a:rPr lang="en-US" dirty="0"/>
+              <a:t>Attain attrition model with sensitivity and specificity above .6</a:t>
+            </a:r>
+          </a:p>
+          <a:p>
+            <a:pPr>
+              <a:buFont typeface="Arial" panose="020B0604020202020204" pitchFamily="34" charset="0"/>
+              <a:buChar char="•"/>
+            </a:pPr>
+            <a:r>
+              <a:rPr lang="en-US" dirty="0"/>
+              <a:t>Naïve Bayes model</a:t>
+            </a:r>
+          </a:p>
+          <a:p>
+            <a:pPr lvl="1">
+              <a:buFont typeface="Arial" panose="020B0604020202020204" pitchFamily="34" charset="0"/>
+              <a:buChar char="•"/>
+            </a:pPr>
+            <a:r>
+              <a:rPr lang="en-US" dirty="0"/>
+              <a:t>Handles both numeric and categorical variables </a:t>
+            </a:r>
+          </a:p>
+          <a:p>
+            <a:pPr>
+              <a:buFont typeface="Arial" panose="020B0604020202020204" pitchFamily="34" charset="0"/>
+              <a:buChar char="•"/>
+            </a:pPr>
+            <a:r>
+              <a:rPr lang="en-US" dirty="0"/>
+              <a:t>Top Attrition Factors</a:t>
+            </a:r>
+          </a:p>
+          <a:p>
+            <a:pPr lvl="1">
+              <a:buFont typeface="Arial" panose="020B0604020202020204" pitchFamily="34" charset="0"/>
+              <a:buChar char="•"/>
+            </a:pPr>
+            <a:r>
+              <a:rPr lang="en-US" dirty="0"/>
+              <a:t>Marital Status</a:t>
+            </a:r>
+          </a:p>
+          <a:p>
+            <a:pPr lvl="1">
+              <a:buFont typeface="Arial" panose="020B0604020202020204" pitchFamily="34" charset="0"/>
+              <a:buChar char="•"/>
+            </a:pPr>
+            <a:r>
+              <a:rPr lang="en-US" dirty="0"/>
+              <a:t>Tenure</a:t>
+            </a:r>
+          </a:p>
+          <a:p>
+            <a:pPr lvl="1">
+              <a:buFont typeface="Arial" panose="020B0604020202020204" pitchFamily="34" charset="0"/>
+              <a:buChar char="•"/>
+            </a:pPr>
+            <a:r>
+              <a:rPr lang="en-US" dirty="0"/>
+              <a:t>Job Role</a:t>
+            </a:r>
+          </a:p>
+          <a:p>
+            <a:pPr>
+              <a:buFont typeface="Arial" panose="020B0604020202020204" pitchFamily="34" charset="0"/>
+              <a:buChar char="•"/>
+            </a:pPr>
+            <a:endParaRPr lang="en-US" dirty="0"/>
+          </a:p>
+        </p:txBody>
+      </p:sp>
+      <p:pic>
+        <p:nvPicPr>
+          <p:cNvPr id="6" name="Content Placeholder 5">
+            <a:extLst>
+              <a:ext uri="{FF2B5EF4-FFF2-40B4-BE49-F238E27FC236}">
+                <a16:creationId xmlns:a16="http://schemas.microsoft.com/office/drawing/2014/main" id="{995C931A-7AC7-4D59-A8DE-00A82DA71D67}"/>
+              </a:ext>
+            </a:extLst>
+          </p:cNvPr>
+          <p:cNvPicPr>
+            <a:picLocks noGrp="1" noChangeAspect="1"/>
+          </p:cNvPicPr>
+          <p:nvPr>
+            <p:ph sz="half" idx="2"/>
+          </p:nvPr>
+        </p:nvPicPr>
+        <p:blipFill>
+          <a:blip r:embed="rId2"/>
+          <a:stretch>
+            <a:fillRect/>
+          </a:stretch>
+        </p:blipFill>
+        <p:spPr>
+          <a:xfrm>
+            <a:off x="6096000" y="2024382"/>
+            <a:ext cx="5604812" cy="3460748"/>
+          </a:xfrm>
+          <a:prstGeom prst="rect">
+            <a:avLst/>
+          </a:prstGeom>
+        </p:spPr>
+      </p:pic>
+      <p:graphicFrame>
+        <p:nvGraphicFramePr>
+          <p:cNvPr id="7" name="Table 7">
+            <a:extLst>
+              <a:ext uri="{FF2B5EF4-FFF2-40B4-BE49-F238E27FC236}">
+                <a16:creationId xmlns:a16="http://schemas.microsoft.com/office/drawing/2014/main" id="{2F7EF578-4630-4485-9003-1AADB3DEA971}"/>
+              </a:ext>
+            </a:extLst>
+          </p:cNvPr>
+          <p:cNvGraphicFramePr>
+            <a:graphicFrameLocks noGrp="1"/>
+          </p:cNvGraphicFramePr>
+          <p:nvPr>
+            <p:extLst>
+              <p:ext uri="{D42A27DB-BD31-4B8C-83A1-F6EECF244321}">
+                <p14:modId xmlns:p14="http://schemas.microsoft.com/office/powerpoint/2010/main" val="2926020070"/>
+              </p:ext>
+            </p:extLst>
+          </p:nvPr>
+        </p:nvGraphicFramePr>
+        <p:xfrm>
+          <a:off x="7348186" y="816610"/>
+          <a:ext cx="4282758" cy="1112520"/>
+        </p:xfrm>
+        <a:graphic>
+          <a:graphicData uri="http://schemas.openxmlformats.org/drawingml/2006/table">
+            <a:tbl>
+              <a:tblPr firstRow="1" bandRow="1">
+                <a:tableStyleId>{5C22544A-7EE6-4342-B048-85BDC9FD1C3A}</a:tableStyleId>
+              </a:tblPr>
+              <a:tblGrid>
+                <a:gridCol w="989330">
+                  <a:extLst>
+                    <a:ext uri="{9D8B030D-6E8A-4147-A177-3AD203B41FA5}">
+                      <a16:colId xmlns:a16="http://schemas.microsoft.com/office/drawing/2014/main" val="402743187"/>
+                    </a:ext>
+                  </a:extLst>
+                </a:gridCol>
+                <a:gridCol w="886270">
+                  <a:extLst>
+                    <a:ext uri="{9D8B030D-6E8A-4147-A177-3AD203B41FA5}">
+                      <a16:colId xmlns:a16="http://schemas.microsoft.com/office/drawing/2014/main" val="3320459511"/>
+                    </a:ext>
+                  </a:extLst>
+                </a:gridCol>
+                <a:gridCol w="906780">
+                  <a:extLst>
+                    <a:ext uri="{9D8B030D-6E8A-4147-A177-3AD203B41FA5}">
+                      <a16:colId xmlns:a16="http://schemas.microsoft.com/office/drawing/2014/main" val="2757416644"/>
+                    </a:ext>
+                  </a:extLst>
+                </a:gridCol>
+                <a:gridCol w="1500378">
+                  <a:extLst>
+                    <a:ext uri="{9D8B030D-6E8A-4147-A177-3AD203B41FA5}">
+                      <a16:colId xmlns:a16="http://schemas.microsoft.com/office/drawing/2014/main" val="3941799498"/>
+                    </a:ext>
+                  </a:extLst>
+                </a:gridCol>
+              </a:tblGrid>
+              <a:tr h="370840">
+                <a:tc>
+                  <a:txBody>
+                    <a:bodyPr/>
+                    <a:lstStyle/>
+                    <a:p>
+                      <a:r>
+                        <a:rPr lang="en-US" sz="1400" dirty="0"/>
+                        <a:t>Sensitivity</a:t>
+                      </a:r>
+                    </a:p>
+                  </a:txBody>
+                  <a:tcPr/>
+                </a:tc>
+                <a:tc>
+                  <a:txBody>
+                    <a:bodyPr/>
+                    <a:lstStyle/>
+                    <a:p>
+                      <a:r>
+                        <a:rPr lang="en-US" sz="1400" dirty="0"/>
+                        <a:t>Estimate</a:t>
+                      </a:r>
+                    </a:p>
+                  </a:txBody>
+                  <a:tcPr/>
+                </a:tc>
+                <a:tc>
+                  <a:txBody>
+                    <a:bodyPr/>
+                    <a:lstStyle/>
+                    <a:p>
+                      <a:r>
+                        <a:rPr lang="en-US" sz="1400" dirty="0"/>
+                        <a:t>95% CI</a:t>
+                      </a:r>
+                    </a:p>
+                  </a:txBody>
+                  <a:tcPr/>
+                </a:tc>
+                <a:tc>
+                  <a:txBody>
+                    <a:bodyPr/>
+                    <a:lstStyle/>
+                    <a:p>
+                      <a:r>
+                        <a:rPr lang="en-US" sz="1400" dirty="0"/>
+                        <a:t>P-value (Est &lt; .6)</a:t>
+                      </a:r>
+                    </a:p>
+                  </a:txBody>
+                  <a:tcPr/>
+                </a:tc>
+                <a:extLst>
+                  <a:ext uri="{0D108BD9-81ED-4DB2-BD59-A6C34878D82A}">
+                    <a16:rowId xmlns:a16="http://schemas.microsoft.com/office/drawing/2014/main" val="1580904728"/>
+                  </a:ext>
+                </a:extLst>
+              </a:tr>
+              <a:tr h="370840">
+                <a:tc>
+                  <a:txBody>
+                    <a:bodyPr/>
+                    <a:lstStyle/>
+                    <a:p>
+                      <a:r>
+                        <a:rPr lang="en-US" sz="1400" dirty="0"/>
+                        <a:t>Train</a:t>
+                      </a:r>
+                    </a:p>
+                  </a:txBody>
+                  <a:tcPr/>
+                </a:tc>
+                <a:tc>
+                  <a:txBody>
+                    <a:bodyPr/>
+                    <a:lstStyle/>
+                    <a:p>
+                      <a:r>
+                        <a:rPr lang="en-US" sz="1400" dirty="0"/>
+                        <a:t>.716</a:t>
+                      </a:r>
+                    </a:p>
+                  </a:txBody>
+                  <a:tcPr/>
+                </a:tc>
+                <a:tc>
+                  <a:txBody>
+                    <a:bodyPr/>
+                    <a:lstStyle/>
+                    <a:p>
+                      <a:r>
+                        <a:rPr lang="en-US" sz="1400" dirty="0"/>
+                        <a:t>[.713, ∞]</a:t>
+                      </a:r>
+                    </a:p>
+                  </a:txBody>
+                  <a:tcPr/>
+                </a:tc>
+                <a:tc>
+                  <a:txBody>
+                    <a:bodyPr/>
+                    <a:lstStyle/>
+                    <a:p>
+                      <a:r>
+                        <a:rPr lang="en-US" sz="1400" dirty="0"/>
+                        <a:t>2.2e-16</a:t>
+                      </a:r>
+                    </a:p>
+                  </a:txBody>
+                  <a:tcPr/>
+                </a:tc>
+                <a:extLst>
+                  <a:ext uri="{0D108BD9-81ED-4DB2-BD59-A6C34878D82A}">
+                    <a16:rowId xmlns:a16="http://schemas.microsoft.com/office/drawing/2014/main" val="2380341727"/>
+                  </a:ext>
+                </a:extLst>
+              </a:tr>
+              <a:tr h="370840">
+                <a:tc>
+                  <a:txBody>
+                    <a:bodyPr/>
+                    <a:lstStyle/>
+                    <a:p>
+                      <a:r>
+                        <a:rPr lang="en-US" sz="1400" dirty="0"/>
+                        <a:t>Test</a:t>
+                      </a:r>
+                    </a:p>
+                  </a:txBody>
+                  <a:tcPr/>
+                </a:tc>
+                <a:tc>
+                  <a:txBody>
+                    <a:bodyPr/>
+                    <a:lstStyle/>
+                    <a:p>
+                      <a:r>
+                        <a:rPr lang="en-US" sz="1400" dirty="0"/>
+                        <a:t>.636</a:t>
+                      </a:r>
+                    </a:p>
+                  </a:txBody>
+                  <a:tcPr/>
+                </a:tc>
+                <a:tc>
+                  <a:txBody>
+                    <a:bodyPr/>
+                    <a:lstStyle/>
+                    <a:p>
+                      <a:r>
+                        <a:rPr lang="en-US" sz="1400" dirty="0"/>
+                        <a:t>[.630, ∞]</a:t>
+                      </a:r>
+                    </a:p>
+                  </a:txBody>
+                  <a:tcPr/>
+                </a:tc>
+                <a:tc>
+                  <a:txBody>
+                    <a:bodyPr/>
+                    <a:lstStyle/>
+                    <a:p>
+                      <a:r>
+                        <a:rPr lang="en-US" sz="1400" dirty="0"/>
+                        <a:t>2.2e-16</a:t>
+                      </a:r>
+                    </a:p>
+                  </a:txBody>
+                  <a:tcPr/>
+                </a:tc>
+                <a:extLst>
+                  <a:ext uri="{0D108BD9-81ED-4DB2-BD59-A6C34878D82A}">
+                    <a16:rowId xmlns:a16="http://schemas.microsoft.com/office/drawing/2014/main" val="3229414493"/>
+                  </a:ext>
+                </a:extLst>
+              </a:tr>
+            </a:tbl>
+          </a:graphicData>
+        </a:graphic>
+      </p:graphicFrame>
+      <p:graphicFrame>
+        <p:nvGraphicFramePr>
+          <p:cNvPr id="8" name="Table 7">
+            <a:extLst>
+              <a:ext uri="{FF2B5EF4-FFF2-40B4-BE49-F238E27FC236}">
+                <a16:creationId xmlns:a16="http://schemas.microsoft.com/office/drawing/2014/main" id="{46BDAB76-D5B1-40D6-8276-EE347EF5AF21}"/>
+              </a:ext>
+            </a:extLst>
+          </p:cNvPr>
+          <p:cNvGraphicFramePr>
+            <a:graphicFrameLocks noGrp="1"/>
+          </p:cNvGraphicFramePr>
+          <p:nvPr>
+            <p:extLst>
+              <p:ext uri="{D42A27DB-BD31-4B8C-83A1-F6EECF244321}">
+                <p14:modId xmlns:p14="http://schemas.microsoft.com/office/powerpoint/2010/main" val="3861659425"/>
+              </p:ext>
+            </p:extLst>
+          </p:nvPr>
+        </p:nvGraphicFramePr>
+        <p:xfrm>
+          <a:off x="7418054" y="5567892"/>
+          <a:ext cx="4282758" cy="1112520"/>
+        </p:xfrm>
+        <a:graphic>
+          <a:graphicData uri="http://schemas.openxmlformats.org/drawingml/2006/table">
+            <a:tbl>
+              <a:tblPr firstRow="1" bandRow="1">
+                <a:tableStyleId>{5C22544A-7EE6-4342-B048-85BDC9FD1C3A}</a:tableStyleId>
+              </a:tblPr>
+              <a:tblGrid>
+                <a:gridCol w="989330">
+                  <a:extLst>
+                    <a:ext uri="{9D8B030D-6E8A-4147-A177-3AD203B41FA5}">
+                      <a16:colId xmlns:a16="http://schemas.microsoft.com/office/drawing/2014/main" val="402743187"/>
+                    </a:ext>
+                  </a:extLst>
+                </a:gridCol>
+                <a:gridCol w="886270">
+                  <a:extLst>
+                    <a:ext uri="{9D8B030D-6E8A-4147-A177-3AD203B41FA5}">
+                      <a16:colId xmlns:a16="http://schemas.microsoft.com/office/drawing/2014/main" val="3320459511"/>
+                    </a:ext>
+                  </a:extLst>
+                </a:gridCol>
+                <a:gridCol w="906780">
+                  <a:extLst>
+                    <a:ext uri="{9D8B030D-6E8A-4147-A177-3AD203B41FA5}">
+                      <a16:colId xmlns:a16="http://schemas.microsoft.com/office/drawing/2014/main" val="2757416644"/>
+                    </a:ext>
+                  </a:extLst>
+                </a:gridCol>
+                <a:gridCol w="1500378">
+                  <a:extLst>
+                    <a:ext uri="{9D8B030D-6E8A-4147-A177-3AD203B41FA5}">
+                      <a16:colId xmlns:a16="http://schemas.microsoft.com/office/drawing/2014/main" val="3941799498"/>
+                    </a:ext>
+                  </a:extLst>
+                </a:gridCol>
+              </a:tblGrid>
+              <a:tr h="370840">
+                <a:tc>
+                  <a:txBody>
+                    <a:bodyPr/>
+                    <a:lstStyle/>
+                    <a:p>
+                      <a:r>
+                        <a:rPr lang="en-US" sz="1400" dirty="0"/>
+                        <a:t>Specificity</a:t>
+                      </a:r>
+                    </a:p>
+                  </a:txBody>
+                  <a:tcPr/>
+                </a:tc>
+                <a:tc>
+                  <a:txBody>
+                    <a:bodyPr/>
+                    <a:lstStyle/>
+                    <a:p>
+                      <a:r>
+                        <a:rPr lang="en-US" sz="1400" dirty="0"/>
+                        <a:t>Estimate</a:t>
+                      </a:r>
+                    </a:p>
+                  </a:txBody>
+                  <a:tcPr/>
+                </a:tc>
+                <a:tc>
+                  <a:txBody>
+                    <a:bodyPr/>
+                    <a:lstStyle/>
+                    <a:p>
+                      <a:r>
+                        <a:rPr lang="en-US" sz="1400" dirty="0"/>
+                        <a:t>95% CI</a:t>
+                      </a:r>
+                    </a:p>
+                  </a:txBody>
+                  <a:tcPr/>
+                </a:tc>
+                <a:tc>
+                  <a:txBody>
+                    <a:bodyPr/>
+                    <a:lstStyle/>
+                    <a:p>
+                      <a:r>
+                        <a:rPr lang="en-US" sz="1400" dirty="0"/>
+                        <a:t>P-value (Est &lt; .6)</a:t>
+                      </a:r>
+                    </a:p>
+                  </a:txBody>
+                  <a:tcPr/>
+                </a:tc>
+                <a:extLst>
+                  <a:ext uri="{0D108BD9-81ED-4DB2-BD59-A6C34878D82A}">
+                    <a16:rowId xmlns:a16="http://schemas.microsoft.com/office/drawing/2014/main" val="1580904728"/>
+                  </a:ext>
+                </a:extLst>
+              </a:tr>
+              <a:tr h="370840">
+                <a:tc>
+                  <a:txBody>
+                    <a:bodyPr/>
+                    <a:lstStyle/>
+                    <a:p>
+                      <a:r>
+                        <a:rPr lang="en-US" sz="1400" dirty="0"/>
+                        <a:t>Train</a:t>
+                      </a:r>
+                    </a:p>
+                  </a:txBody>
+                  <a:tcPr/>
+                </a:tc>
+                <a:tc>
+                  <a:txBody>
+                    <a:bodyPr/>
+                    <a:lstStyle/>
+                    <a:p>
+                      <a:r>
+                        <a:rPr lang="en-US" sz="1400" dirty="0"/>
+                        <a:t>.901</a:t>
+                      </a:r>
+                    </a:p>
+                  </a:txBody>
+                  <a:tcPr/>
+                </a:tc>
+                <a:tc>
+                  <a:txBody>
+                    <a:bodyPr/>
+                    <a:lstStyle/>
+                    <a:p>
+                      <a:r>
+                        <a:rPr lang="en-US" sz="1400" dirty="0"/>
+                        <a:t>[.900, ∞]</a:t>
+                      </a:r>
+                    </a:p>
+                  </a:txBody>
+                  <a:tcPr/>
+                </a:tc>
+                <a:tc>
+                  <a:txBody>
+                    <a:bodyPr/>
+                    <a:lstStyle/>
+                    <a:p>
+                      <a:r>
+                        <a:rPr lang="en-US" sz="1400" dirty="0"/>
+                        <a:t>2.2e-16</a:t>
+                      </a:r>
+                    </a:p>
+                  </a:txBody>
+                  <a:tcPr/>
+                </a:tc>
+                <a:extLst>
+                  <a:ext uri="{0D108BD9-81ED-4DB2-BD59-A6C34878D82A}">
+                    <a16:rowId xmlns:a16="http://schemas.microsoft.com/office/drawing/2014/main" val="2380341727"/>
+                  </a:ext>
+                </a:extLst>
+              </a:tr>
+              <a:tr h="370840">
+                <a:tc>
+                  <a:txBody>
+                    <a:bodyPr/>
+                    <a:lstStyle/>
+                    <a:p>
+                      <a:r>
+                        <a:rPr lang="en-US" sz="1400" dirty="0"/>
+                        <a:t>Test</a:t>
+                      </a:r>
+                    </a:p>
+                  </a:txBody>
+                  <a:tcPr/>
+                </a:tc>
+                <a:tc>
+                  <a:txBody>
+                    <a:bodyPr/>
+                    <a:lstStyle/>
+                    <a:p>
+                      <a:r>
+                        <a:rPr lang="en-US" sz="1400" dirty="0"/>
+                        <a:t>.887</a:t>
+                      </a:r>
+                    </a:p>
+                  </a:txBody>
+                  <a:tcPr/>
+                </a:tc>
+                <a:tc>
+                  <a:txBody>
+                    <a:bodyPr/>
+                    <a:lstStyle/>
+                    <a:p>
+                      <a:r>
+                        <a:rPr lang="en-US" sz="1400" dirty="0"/>
+                        <a:t>[.887, ∞]</a:t>
+                      </a:r>
+                    </a:p>
+                  </a:txBody>
+                  <a:tcPr/>
+                </a:tc>
+                <a:tc>
+                  <a:txBody>
+                    <a:bodyPr/>
+                    <a:lstStyle/>
+                    <a:p>
+                      <a:r>
+                        <a:rPr lang="en-US" sz="1400" dirty="0"/>
+                        <a:t>2.2e-16</a:t>
+                      </a:r>
+                    </a:p>
+                  </a:txBody>
+                  <a:tcPr/>
+                </a:tc>
+                <a:extLst>
+                  <a:ext uri="{0D108BD9-81ED-4DB2-BD59-A6C34878D82A}">
+                    <a16:rowId xmlns:a16="http://schemas.microsoft.com/office/drawing/2014/main" val="3229414493"/>
+                  </a:ext>
+                </a:extLst>
+              </a:tr>
+            </a:tbl>
+          </a:graphicData>
+        </a:graphic>
+      </p:graphicFrame>
+    </p:spTree>
+    <p:extLst>
+      <p:ext uri="{BB962C8B-B14F-4D97-AF65-F5344CB8AC3E}">
+        <p14:creationId xmlns:p14="http://schemas.microsoft.com/office/powerpoint/2010/main" val="717963423"/>
+      </p:ext>
+    </p:extLst>
+  </p:cSld>
+  <p:clrMapOvr>
+    <a:masterClrMapping/>
+  </p:clrMapOvr>
+</p:sld>
+</file>
+
+<file path=ppt/slides/slide6.xml><?xml version="1.0" encoding="utf-8"?>
+<p:sld xmlns:a="http://schemas.openxmlformats.org/drawingml/2006/main" xmlns:r="http://schemas.openxmlformats.org/officeDocument/2006/relationships" xmlns:p="http://schemas.openxmlformats.org/presentationml/2006/main">
+  <p:cSld>
+    <p:spTree>
+      <p:nvGrpSpPr>
+        <p:cNvPr id="1" name=""/>
+        <p:cNvGrpSpPr/>
+        <p:nvPr/>
+      </p:nvGrpSpPr>
+      <p:grpSpPr>
+        <a:xfrm>
+          <a:off x="0" y="0"/>
+          <a:ext cx="0" cy="0"/>
+          <a:chOff x="0" y="0"/>
+          <a:chExt cx="0" cy="0"/>
+        </a:xfrm>
+      </p:grpSpPr>
+      <p:sp>
+        <p:nvSpPr>
+          <p:cNvPr id="2" name="Title 1">
+            <a:extLst>
+              <a:ext uri="{FF2B5EF4-FFF2-40B4-BE49-F238E27FC236}">
+                <a16:creationId xmlns:a16="http://schemas.microsoft.com/office/drawing/2014/main" id="{1F8BE2C9-1E95-4697-9CF6-4D19D25C418C}"/>
+              </a:ext>
+            </a:extLst>
+          </p:cNvPr>
+          <p:cNvSpPr>
+            <a:spLocks noGrp="1"/>
+          </p:cNvSpPr>
+          <p:nvPr>
+            <p:ph type="title"/>
+          </p:nvPr>
+        </p:nvSpPr>
+        <p:spPr/>
+        <p:txBody>
+          <a:bodyPr/>
+          <a:lstStyle/>
+          <a:p>
+            <a:r>
+              <a:rPr lang="en-US" dirty="0"/>
+              <a:t>Predicting Salary</a:t>
+            </a:r>
+          </a:p>
+        </p:txBody>
+      </p:sp>
+      <p:sp>
+        <p:nvSpPr>
+          <p:cNvPr id="3" name="Content Placeholder 2">
+            <a:extLst>
+              <a:ext uri="{FF2B5EF4-FFF2-40B4-BE49-F238E27FC236}">
+                <a16:creationId xmlns:a16="http://schemas.microsoft.com/office/drawing/2014/main" id="{5D1DA581-36F5-43DB-9B88-3FE502526D75}"/>
+              </a:ext>
+            </a:extLst>
+          </p:cNvPr>
+          <p:cNvSpPr>
+            <a:spLocks noGrp="1"/>
+          </p:cNvSpPr>
+          <p:nvPr>
+            <p:ph idx="1"/>
+          </p:nvPr>
+        </p:nvSpPr>
+        <p:spPr>
+          <a:xfrm>
+            <a:off x="1097280" y="2108201"/>
+            <a:ext cx="4660583" cy="3760891"/>
+          </a:xfrm>
+        </p:spPr>
+        <p:txBody>
+          <a:bodyPr/>
+          <a:lstStyle/>
+          <a:p>
+            <a:pPr>
+              <a:buFont typeface="Wingdings" panose="05000000000000000000" pitchFamily="2" charset="2"/>
+              <a:buChar char="§"/>
+            </a:pPr>
+            <a:r>
+              <a:rPr lang="en-US" dirty="0"/>
+              <a:t>Attain salary model with RMSE below $3000</a:t>
+            </a:r>
+          </a:p>
+          <a:p>
+            <a:pPr>
+              <a:buFont typeface="Wingdings" panose="05000000000000000000" pitchFamily="2" charset="2"/>
+              <a:buChar char="§"/>
+            </a:pPr>
+            <a:r>
+              <a:rPr lang="en-US" dirty="0"/>
+              <a:t>Linear Regression</a:t>
+            </a:r>
+          </a:p>
+          <a:p>
+            <a:pPr lvl="1">
+              <a:buFont typeface="Wingdings" panose="05000000000000000000" pitchFamily="2" charset="2"/>
+              <a:buChar char="§"/>
+            </a:pPr>
+            <a:r>
+              <a:rPr lang="en-US" dirty="0"/>
+              <a:t>Handles both numerical and categorical variables</a:t>
+            </a:r>
+          </a:p>
+          <a:p>
+            <a:pPr>
+              <a:buFont typeface="Wingdings" panose="05000000000000000000" pitchFamily="2" charset="2"/>
+              <a:buChar char="§"/>
+            </a:pPr>
+            <a:r>
+              <a:rPr lang="en-US" dirty="0"/>
+              <a:t>Biggest Influencers of Salary</a:t>
+            </a:r>
+          </a:p>
+          <a:p>
+            <a:pPr lvl="1">
+              <a:buFont typeface="Wingdings" panose="05000000000000000000" pitchFamily="2" charset="2"/>
+              <a:buChar char="§"/>
+            </a:pPr>
+            <a:r>
+              <a:rPr lang="en-US" dirty="0"/>
+              <a:t>Job Level</a:t>
+            </a:r>
+          </a:p>
+          <a:p>
+            <a:pPr lvl="1">
+              <a:buFont typeface="Wingdings" panose="05000000000000000000" pitchFamily="2" charset="2"/>
+              <a:buChar char="§"/>
+            </a:pPr>
+            <a:r>
+              <a:rPr lang="en-US" dirty="0"/>
+              <a:t>Job Role</a:t>
+            </a:r>
+          </a:p>
+          <a:p>
+            <a:pPr lvl="1">
+              <a:buFont typeface="Wingdings" panose="05000000000000000000" pitchFamily="2" charset="2"/>
+              <a:buChar char="§"/>
+            </a:pPr>
+            <a:r>
+              <a:rPr lang="en-US" dirty="0"/>
+              <a:t>Education Field</a:t>
+            </a:r>
+          </a:p>
+          <a:p>
+            <a:pPr lvl="1">
+              <a:buFont typeface="Wingdings" panose="05000000000000000000" pitchFamily="2" charset="2"/>
+              <a:buChar char="§"/>
+            </a:pPr>
+            <a:r>
+              <a:rPr lang="en-US" dirty="0"/>
+              <a:t>Department</a:t>
+            </a:r>
+          </a:p>
+        </p:txBody>
+      </p:sp>
+      <p:pic>
+        <p:nvPicPr>
+          <p:cNvPr id="4" name="Picture 3">
+            <a:extLst>
+              <a:ext uri="{FF2B5EF4-FFF2-40B4-BE49-F238E27FC236}">
+                <a16:creationId xmlns:a16="http://schemas.microsoft.com/office/drawing/2014/main" id="{8F31EB24-B95C-446E-A656-F79543D28C26}"/>
+              </a:ext>
+            </a:extLst>
+          </p:cNvPr>
+          <p:cNvPicPr>
+            <a:picLocks noChangeAspect="1"/>
+          </p:cNvPicPr>
+          <p:nvPr/>
+        </p:nvPicPr>
+        <p:blipFill>
+          <a:blip r:embed="rId2"/>
+          <a:stretch>
+            <a:fillRect/>
+          </a:stretch>
+        </p:blipFill>
+        <p:spPr>
+          <a:xfrm>
+            <a:off x="6215334" y="2108201"/>
+            <a:ext cx="5405340" cy="3337584"/>
+          </a:xfrm>
+          <a:prstGeom prst="rect">
+            <a:avLst/>
+          </a:prstGeom>
+        </p:spPr>
+      </p:pic>
+      <p:graphicFrame>
+        <p:nvGraphicFramePr>
+          <p:cNvPr id="5" name="Table 4">
+            <a:extLst>
+              <a:ext uri="{FF2B5EF4-FFF2-40B4-BE49-F238E27FC236}">
+                <a16:creationId xmlns:a16="http://schemas.microsoft.com/office/drawing/2014/main" id="{87E3D7F1-8982-4682-84EB-2FC6C8FA823C}"/>
+              </a:ext>
+            </a:extLst>
+          </p:cNvPr>
+          <p:cNvGraphicFramePr>
+            <a:graphicFrameLocks noGrp="1"/>
+          </p:cNvGraphicFramePr>
+          <p:nvPr>
+            <p:extLst>
+              <p:ext uri="{D42A27DB-BD31-4B8C-83A1-F6EECF244321}">
+                <p14:modId xmlns:p14="http://schemas.microsoft.com/office/powerpoint/2010/main" val="2841734006"/>
+              </p:ext>
+            </p:extLst>
+          </p:nvPr>
+        </p:nvGraphicFramePr>
+        <p:xfrm>
+          <a:off x="6742999" y="5634063"/>
+          <a:ext cx="4647037" cy="937334"/>
+        </p:xfrm>
+        <a:graphic>
+          <a:graphicData uri="http://schemas.openxmlformats.org/drawingml/2006/table">
+            <a:tbl>
+              <a:tblPr firstRow="1" bandRow="1">
+                <a:tableStyleId>{5C22544A-7EE6-4342-B048-85BDC9FD1C3A}</a:tableStyleId>
+              </a:tblPr>
+              <a:tblGrid>
+                <a:gridCol w="990346">
+                  <a:extLst>
+                    <a:ext uri="{9D8B030D-6E8A-4147-A177-3AD203B41FA5}">
+                      <a16:colId xmlns:a16="http://schemas.microsoft.com/office/drawing/2014/main" val="402743187"/>
+                    </a:ext>
+                  </a:extLst>
+                </a:gridCol>
+                <a:gridCol w="886270">
+                  <a:extLst>
+                    <a:ext uri="{9D8B030D-6E8A-4147-A177-3AD203B41FA5}">
+                      <a16:colId xmlns:a16="http://schemas.microsoft.com/office/drawing/2014/main" val="3320459511"/>
+                    </a:ext>
+                  </a:extLst>
+                </a:gridCol>
+                <a:gridCol w="1009968">
+                  <a:extLst>
+                    <a:ext uri="{9D8B030D-6E8A-4147-A177-3AD203B41FA5}">
+                      <a16:colId xmlns:a16="http://schemas.microsoft.com/office/drawing/2014/main" val="2757416644"/>
+                    </a:ext>
+                  </a:extLst>
+                </a:gridCol>
+                <a:gridCol w="1760453">
+                  <a:extLst>
+                    <a:ext uri="{9D8B030D-6E8A-4147-A177-3AD203B41FA5}">
+                      <a16:colId xmlns:a16="http://schemas.microsoft.com/office/drawing/2014/main" val="3941799498"/>
+                    </a:ext>
+                  </a:extLst>
+                </a:gridCol>
+              </a:tblGrid>
+              <a:tr h="327734">
+                <a:tc>
+                  <a:txBody>
+                    <a:bodyPr/>
+                    <a:lstStyle/>
+                    <a:p>
+                      <a:r>
+                        <a:rPr lang="en-US" sz="1400" dirty="0"/>
+                        <a:t>Specificity</a:t>
+                      </a:r>
+                    </a:p>
+                  </a:txBody>
+                  <a:tcPr/>
+                </a:tc>
+                <a:tc>
+                  <a:txBody>
+                    <a:bodyPr/>
+                    <a:lstStyle/>
+                    <a:p>
+                      <a:r>
+                        <a:rPr lang="en-US" sz="1400" dirty="0"/>
+                        <a:t>Estimate</a:t>
+                      </a:r>
+                    </a:p>
+                  </a:txBody>
+                  <a:tcPr/>
+                </a:tc>
+                <a:tc>
+                  <a:txBody>
+                    <a:bodyPr/>
+                    <a:lstStyle/>
+                    <a:p>
+                      <a:r>
+                        <a:rPr lang="en-US" sz="1400" dirty="0"/>
+                        <a:t>95% CI</a:t>
+                      </a:r>
+                    </a:p>
+                  </a:txBody>
+                  <a:tcPr/>
+                </a:tc>
+                <a:tc>
+                  <a:txBody>
+                    <a:bodyPr/>
+                    <a:lstStyle/>
+                    <a:p>
+                      <a:r>
+                        <a:rPr lang="en-US" sz="1400" dirty="0"/>
+                        <a:t>P-value (Est &gt; 3000)</a:t>
+                      </a:r>
+                    </a:p>
+                  </a:txBody>
+                  <a:tcPr/>
+                </a:tc>
+                <a:extLst>
+                  <a:ext uri="{0D108BD9-81ED-4DB2-BD59-A6C34878D82A}">
+                    <a16:rowId xmlns:a16="http://schemas.microsoft.com/office/drawing/2014/main" val="1580904728"/>
+                  </a:ext>
+                </a:extLst>
+              </a:tr>
+              <a:tr h="179805">
+                <a:tc>
+                  <a:txBody>
+                    <a:bodyPr/>
+                    <a:lstStyle/>
+                    <a:p>
+                      <a:r>
+                        <a:rPr lang="en-US" sz="1400" dirty="0"/>
+                        <a:t>Train</a:t>
+                      </a:r>
+                    </a:p>
+                  </a:txBody>
+                  <a:tcPr/>
+                </a:tc>
+                <a:tc>
+                  <a:txBody>
+                    <a:bodyPr/>
+                    <a:lstStyle/>
+                    <a:p>
+                      <a:r>
+                        <a:rPr lang="en-US" sz="1400" dirty="0"/>
+                        <a:t>1386</a:t>
+                      </a:r>
+                    </a:p>
+                  </a:txBody>
+                  <a:tcPr/>
+                </a:tc>
+                <a:tc>
+                  <a:txBody>
+                    <a:bodyPr/>
+                    <a:lstStyle/>
+                    <a:p>
+                      <a:r>
+                        <a:rPr lang="en-US" sz="1400" dirty="0"/>
+                        <a:t>[-∞, 1389]</a:t>
+                      </a:r>
+                    </a:p>
+                  </a:txBody>
+                  <a:tcPr/>
+                </a:tc>
+                <a:tc>
+                  <a:txBody>
+                    <a:bodyPr/>
+                    <a:lstStyle/>
+                    <a:p>
+                      <a:r>
+                        <a:rPr lang="en-US" sz="1400" dirty="0"/>
+                        <a:t>2.2e-16</a:t>
+                      </a:r>
+                    </a:p>
+                  </a:txBody>
+                  <a:tcPr/>
+                </a:tc>
+                <a:extLst>
+                  <a:ext uri="{0D108BD9-81ED-4DB2-BD59-A6C34878D82A}">
+                    <a16:rowId xmlns:a16="http://schemas.microsoft.com/office/drawing/2014/main" val="2380341727"/>
+                  </a:ext>
+                </a:extLst>
+              </a:tr>
+              <a:tr h="0">
+                <a:tc>
+                  <a:txBody>
+                    <a:bodyPr/>
+                    <a:lstStyle/>
+                    <a:p>
+                      <a:r>
+                        <a:rPr lang="en-US" sz="1400" dirty="0"/>
+                        <a:t>Test</a:t>
+                      </a:r>
+                    </a:p>
+                  </a:txBody>
+                  <a:tcPr/>
+                </a:tc>
+                <a:tc>
+                  <a:txBody>
+                    <a:bodyPr/>
+                    <a:lstStyle/>
+                    <a:p>
+                      <a:r>
+                        <a:rPr lang="en-US" sz="1400" dirty="0"/>
+                        <a:t>1460</a:t>
+                      </a:r>
+                    </a:p>
+                  </a:txBody>
+                  <a:tcPr/>
+                </a:tc>
+                <a:tc>
+                  <a:txBody>
+                    <a:bodyPr/>
+                    <a:lstStyle/>
+                    <a:p>
+                      <a:pPr marL="0" marR="0" lvl="0" indent="0" algn="l" defTabSz="914400" rtl="0" eaLnBrk="1" fontAlgn="auto" latinLnBrk="0" hangingPunct="1">
+                        <a:lnSpc>
+                          <a:spcPct val="100000"/>
+                        </a:lnSpc>
+                        <a:spcBef>
+                          <a:spcPts val="0"/>
+                        </a:spcBef>
+                        <a:spcAft>
+                          <a:spcPts val="0"/>
+                        </a:spcAft>
+                        <a:buClrTx/>
+                        <a:buSzTx/>
+                        <a:buFontTx/>
+                        <a:buNone/>
+                        <a:tabLst/>
+                        <a:defRPr/>
+                      </a:pPr>
+                      <a:r>
+                        <a:rPr lang="en-US" sz="1400" dirty="0"/>
+                        <a:t>[-∞, 1487]</a:t>
+                      </a:r>
+                    </a:p>
+                  </a:txBody>
+                  <a:tcPr/>
+                </a:tc>
+                <a:tc>
+                  <a:txBody>
+                    <a:bodyPr/>
+                    <a:lstStyle/>
+                    <a:p>
+                      <a:r>
+                        <a:rPr lang="en-US" sz="1400" dirty="0"/>
+                        <a:t>2.2e-16</a:t>
+                      </a:r>
+                    </a:p>
+                  </a:txBody>
+                  <a:tcPr/>
+                </a:tc>
+                <a:extLst>
+                  <a:ext uri="{0D108BD9-81ED-4DB2-BD59-A6C34878D82A}">
+                    <a16:rowId xmlns:a16="http://schemas.microsoft.com/office/drawing/2014/main" val="3229414493"/>
+                  </a:ext>
+                </a:extLst>
+              </a:tr>
+            </a:tbl>
+          </a:graphicData>
+        </a:graphic>
+      </p:graphicFrame>
+    </p:spTree>
+    <p:extLst>
+      <p:ext uri="{BB962C8B-B14F-4D97-AF65-F5344CB8AC3E}">
+        <p14:creationId xmlns:p14="http://schemas.microsoft.com/office/powerpoint/2010/main" val="589854798"/>
+      </p:ext>
+    </p:extLst>
+  </p:cSld>
+  <p:clrMapOvr>
+    <a:masterClrMapping/>
+  </p:clrMapOvr>
+</p:sld>
+</file>
+
+<file path=ppt/slides/slide7.xml><?xml version="1.0" encoding="utf-8"?>
+<p:sld xmlns:a="http://schemas.openxmlformats.org/drawingml/2006/main" xmlns:r="http://schemas.openxmlformats.org/officeDocument/2006/relationships" xmlns:p="http://schemas.openxmlformats.org/presentationml/2006/main">
+  <p:cSld>
+    <p:spTree>
+      <p:nvGrpSpPr>
+        <p:cNvPr id="1" name=""/>
+        <p:cNvGrpSpPr/>
+        <p:nvPr/>
+      </p:nvGrpSpPr>
+      <p:grpSpPr>
+        <a:xfrm>
+          <a:off x="0" y="0"/>
+          <a:ext cx="0" cy="0"/>
+          <a:chOff x="0" y="0"/>
+          <a:chExt cx="0" cy="0"/>
+        </a:xfrm>
+      </p:grpSpPr>
+      <p:sp>
+        <p:nvSpPr>
+          <p:cNvPr id="2" name="Title 1">
+            <a:extLst>
+              <a:ext uri="{FF2B5EF4-FFF2-40B4-BE49-F238E27FC236}">
+                <a16:creationId xmlns:a16="http://schemas.microsoft.com/office/drawing/2014/main" id="{D58BD126-D5B7-4B64-99F5-ED5C6E81A771}"/>
+              </a:ext>
+            </a:extLst>
+          </p:cNvPr>
+          <p:cNvSpPr>
+            <a:spLocks noGrp="1"/>
+          </p:cNvSpPr>
+          <p:nvPr>
+            <p:ph type="ctrTitle"/>
+          </p:nvPr>
+        </p:nvSpPr>
+        <p:spPr/>
+        <p:txBody>
+          <a:bodyPr/>
+          <a:lstStyle/>
+          <a:p>
+            <a:r>
+              <a:rPr lang="en-US" dirty="0"/>
+              <a:t>THANK YOU</a:t>
+            </a:r>
+          </a:p>
+        </p:txBody>
+      </p:sp>
+    </p:spTree>
+    <p:extLst>
+      <p:ext uri="{BB962C8B-B14F-4D97-AF65-F5344CB8AC3E}">
+        <p14:creationId xmlns:p14="http://schemas.microsoft.com/office/powerpoint/2010/main" val="1331187967"/>
+      </p:ext>
+    </p:extLst>
+  </p:cSld>
+  <p:clrMapOvr>
+    <a:masterClrMapping/>
+  </p:clrMapOvr>
+</p:sld>
+</file>
+
+<file path=ppt/slides/slide8.xml><?xml version="1.0" encoding="utf-8"?>
+<p:sld xmlns:a="http://schemas.openxmlformats.org/drawingml/2006/main" xmlns:r="http://schemas.openxmlformats.org/officeDocument/2006/relationships" xmlns:p="http://schemas.openxmlformats.org/presentationml/2006/main">
+  <p:cSld>
+    <p:spTree>
+      <p:nvGrpSpPr>
+        <p:cNvPr id="1" name=""/>
+        <p:cNvGrpSpPr/>
+        <p:nvPr/>
+      </p:nvGrpSpPr>
+      <p:grpSpPr>
+        <a:xfrm>
+          <a:off x="0" y="0"/>
+          <a:ext cx="0" cy="0"/>
+          <a:chOff x="0" y="0"/>
+          <a:chExt cx="0" cy="0"/>
+        </a:xfrm>
+      </p:grpSpPr>
+      <p:sp>
+        <p:nvSpPr>
+          <p:cNvPr id="2" name="Title 1">
+            <a:extLst>
+              <a:ext uri="{FF2B5EF4-FFF2-40B4-BE49-F238E27FC236}">
                 <a16:creationId xmlns:a16="http://schemas.microsoft.com/office/drawing/2014/main" id="{4733225F-1605-4F38-9112-84DA148860D4}"/>
               </a:ext>
             </a:extLst>
@@ -4316,6 +7146,14 @@
             <a:pPr marL="0" indent="0">
               <a:buNone/>
             </a:pPr>
+            <a:r>
+              <a:rPr lang="en-US" b="0" i="0" u="none" strike="noStrike" dirty="0">
+                <a:effectLst/>
+                <a:latin typeface="Roboto" panose="02000000000000000000" pitchFamily="2" charset="0"/>
+                <a:hlinkClick r:id="rId2"/>
+              </a:rPr>
+              <a:t>https://youtu.be/KjhYMem92B4</a:t>
+            </a:r>
             <a:endParaRPr lang="en-US" dirty="0"/>
           </a:p>
         </p:txBody>
